--- a/sqlserver-sql/sqlserver-dql-analytical-functions.pptx
+++ b/sqlserver-sql/sqlserver-dql-analytical-functions.pptx
@@ -319,7 +319,7 @@
           <a:p>
             <a:fld id="{241EB5C9-1307-BA42-ABA2-0BC069CD8E7F}" type="datetimeFigureOut">
               <a:rPr lang="en-US" smtClean="0"/>
-              <a:t>8/1/2025</a:t>
+              <a:t>8/5/2025</a:t>
             </a:fld>
             <a:endParaRPr lang="en-US"/>
           </a:p>
@@ -487,7 +487,7 @@
           <a:p>
             <a:fld id="{241EB5C9-1307-BA42-ABA2-0BC069CD8E7F}" type="datetimeFigureOut">
               <a:rPr lang="en-US" smtClean="0"/>
-              <a:t>8/1/2025</a:t>
+              <a:t>8/5/2025</a:t>
             </a:fld>
             <a:endParaRPr lang="en-US"/>
           </a:p>
@@ -665,7 +665,7 @@
           <a:p>
             <a:fld id="{241EB5C9-1307-BA42-ABA2-0BC069CD8E7F}" type="datetimeFigureOut">
               <a:rPr lang="en-US" smtClean="0"/>
-              <a:t>8/1/2025</a:t>
+              <a:t>8/5/2025</a:t>
             </a:fld>
             <a:endParaRPr lang="en-US"/>
           </a:p>
@@ -833,7 +833,7 @@
           <a:p>
             <a:fld id="{241EB5C9-1307-BA42-ABA2-0BC069CD8E7F}" type="datetimeFigureOut">
               <a:rPr lang="en-US" smtClean="0"/>
-              <a:t>8/1/2025</a:t>
+              <a:t>8/5/2025</a:t>
             </a:fld>
             <a:endParaRPr lang="en-US"/>
           </a:p>
@@ -1078,7 +1078,7 @@
           <a:p>
             <a:fld id="{241EB5C9-1307-BA42-ABA2-0BC069CD8E7F}" type="datetimeFigureOut">
               <a:rPr lang="en-US" smtClean="0"/>
-              <a:t>8/1/2025</a:t>
+              <a:t>8/5/2025</a:t>
             </a:fld>
             <a:endParaRPr lang="en-US"/>
           </a:p>
@@ -1363,7 +1363,7 @@
           <a:p>
             <a:fld id="{241EB5C9-1307-BA42-ABA2-0BC069CD8E7F}" type="datetimeFigureOut">
               <a:rPr lang="en-US" smtClean="0"/>
-              <a:t>8/1/2025</a:t>
+              <a:t>8/5/2025</a:t>
             </a:fld>
             <a:endParaRPr lang="en-US"/>
           </a:p>
@@ -1782,7 +1782,7 @@
           <a:p>
             <a:fld id="{241EB5C9-1307-BA42-ABA2-0BC069CD8E7F}" type="datetimeFigureOut">
               <a:rPr lang="en-US" smtClean="0"/>
-              <a:t>8/1/2025</a:t>
+              <a:t>8/5/2025</a:t>
             </a:fld>
             <a:endParaRPr lang="en-US"/>
           </a:p>
@@ -1899,7 +1899,7 @@
           <a:p>
             <a:fld id="{241EB5C9-1307-BA42-ABA2-0BC069CD8E7F}" type="datetimeFigureOut">
               <a:rPr lang="en-US" smtClean="0"/>
-              <a:t>8/1/2025</a:t>
+              <a:t>8/5/2025</a:t>
             </a:fld>
             <a:endParaRPr lang="en-US"/>
           </a:p>
@@ -1994,7 +1994,7 @@
           <a:p>
             <a:fld id="{241EB5C9-1307-BA42-ABA2-0BC069CD8E7F}" type="datetimeFigureOut">
               <a:rPr lang="en-US" smtClean="0"/>
-              <a:t>8/1/2025</a:t>
+              <a:t>8/5/2025</a:t>
             </a:fld>
             <a:endParaRPr lang="en-US"/>
           </a:p>
@@ -2269,7 +2269,7 @@
           <a:p>
             <a:fld id="{241EB5C9-1307-BA42-ABA2-0BC069CD8E7F}" type="datetimeFigureOut">
               <a:rPr lang="en-US" smtClean="0"/>
-              <a:t>8/1/2025</a:t>
+              <a:t>8/5/2025</a:t>
             </a:fld>
             <a:endParaRPr lang="en-US"/>
           </a:p>
@@ -2521,7 +2521,7 @@
           <a:p>
             <a:fld id="{241EB5C9-1307-BA42-ABA2-0BC069CD8E7F}" type="datetimeFigureOut">
               <a:rPr lang="en-US" smtClean="0"/>
-              <a:t>8/1/2025</a:t>
+              <a:t>8/5/2025</a:t>
             </a:fld>
             <a:endParaRPr lang="en-US"/>
           </a:p>
@@ -2732,7 +2732,7 @@
           <a:p>
             <a:fld id="{241EB5C9-1307-BA42-ABA2-0BC069CD8E7F}" type="datetimeFigureOut">
               <a:rPr lang="en-US" smtClean="0"/>
-              <a:t>8/1/2025</a:t>
+              <a:t>8/5/2025</a:t>
             </a:fld>
             <a:endParaRPr lang="en-US"/>
           </a:p>
@@ -3093,6 +3093,14 @@
 <file path=ppt/slides/slide1.xml><?xml version="1.0" encoding="utf-8"?>
 <p:sld xmlns:a="http://schemas.openxmlformats.org/drawingml/2006/main" xmlns:r="http://schemas.openxmlformats.org/officeDocument/2006/relationships" xmlns:p="http://schemas.openxmlformats.org/presentationml/2006/main">
   <p:cSld>
+    <p:bg>
+      <p:bgPr>
+        <a:solidFill>
+          <a:schemeClr val="bg1"/>
+        </a:solidFill>
+        <a:effectLst/>
+      </p:bgPr>
+    </p:bg>
     <p:spTree>
       <p:nvGrpSpPr>
         <p:cNvPr id="1" name=""/>
@@ -3107,9 +3115,659 @@
           <a:chExt cx="0" cy="0"/>
         </a:xfrm>
       </p:grpSpPr>
+      <p:sp>
+        <p:nvSpPr>
+          <p:cNvPr id="7" name="Rectangle 6">
+            <a:extLst>
+              <a:ext uri="{FF2B5EF4-FFF2-40B4-BE49-F238E27FC236}">
+                <a16:creationId xmlns:a16="http://schemas.microsoft.com/office/drawing/2014/main" id="{0B761509-3B9A-49A6-A84B-C3D86811697D}"/>
+              </a:ext>
+              <a:ext uri="{C183D7F6-B498-43B3-948B-1728B52AA6E4}">
+                <adec:decorative xmlns:adec="http://schemas.microsoft.com/office/drawing/2017/decorative" val="1"/>
+              </a:ext>
+            </a:extLst>
+          </p:cNvPr>
+          <p:cNvSpPr>
+            <a:spLocks noGrp="1" noRot="1" noChangeAspect="1" noMove="1" noResize="1" noEditPoints="1" noAdjustHandles="1" noChangeArrowheads="1" noChangeShapeType="1" noTextEdit="1"/>
+          </p:cNvSpPr>
+          <p:nvPr>
+            <p:extLst>
+              <p:ext uri="{386F3935-93C4-4BCD-93E2-E3B085C9AB24}">
+                <p16:designElem xmlns:p16="http://schemas.microsoft.com/office/powerpoint/2015/main" val="1"/>
+              </p:ext>
+            </p:extLst>
+          </p:nvPr>
+        </p:nvSpPr>
+        <p:spPr>
+          <a:xfrm>
+            <a:off x="1" y="0"/>
+            <a:ext cx="9143998" cy="5143500"/>
+          </a:xfrm>
+          <a:prstGeom prst="rect">
+            <a:avLst/>
+          </a:prstGeom>
+          <a:solidFill>
+            <a:schemeClr val="tx1"/>
+          </a:solidFill>
+          <a:ln>
+            <a:noFill/>
+          </a:ln>
+        </p:spPr>
+        <p:style>
+          <a:lnRef idx="2">
+            <a:schemeClr val="accent1">
+              <a:shade val="50000"/>
+            </a:schemeClr>
+          </a:lnRef>
+          <a:fillRef idx="1">
+            <a:schemeClr val="accent1"/>
+          </a:fillRef>
+          <a:effectRef idx="0">
+            <a:schemeClr val="accent1"/>
+          </a:effectRef>
+          <a:fontRef idx="minor">
+            <a:schemeClr val="lt1"/>
+          </a:fontRef>
+        </p:style>
+        <p:txBody>
+          <a:bodyPr rtlCol="0" anchor="ctr"/>
+          <a:lstStyle/>
+          <a:p>
+            <a:pPr algn="ctr"/>
+            <a:endParaRPr lang="en-US"/>
+          </a:p>
+        </p:txBody>
+      </p:sp>
+      <p:sp useBgFill="1">
+        <p:nvSpPr>
+          <p:cNvPr id="9" name="Freeform: Shape 8">
+            <a:extLst>
+              <a:ext uri="{FF2B5EF4-FFF2-40B4-BE49-F238E27FC236}">
+                <a16:creationId xmlns:a16="http://schemas.microsoft.com/office/drawing/2014/main" id="{91DE43FD-EB47-414A-B0AB-169B0FFFA527}"/>
+              </a:ext>
+              <a:ext uri="{C183D7F6-B498-43B3-948B-1728B52AA6E4}">
+                <adec:decorative xmlns:adec="http://schemas.microsoft.com/office/drawing/2017/decorative" val="1"/>
+              </a:ext>
+            </a:extLst>
+          </p:cNvPr>
+          <p:cNvSpPr>
+            <a:spLocks noGrp="1" noRot="1" noChangeAspect="1" noMove="1" noResize="1" noEditPoints="1" noAdjustHandles="1" noChangeArrowheads="1" noChangeShapeType="1" noTextEdit="1"/>
+          </p:cNvSpPr>
+          <p:nvPr>
+            <p:extLst>
+              <p:ext uri="{386F3935-93C4-4BCD-93E2-E3B085C9AB24}">
+                <p16:designElem xmlns:p16="http://schemas.microsoft.com/office/powerpoint/2015/main" val="1"/>
+              </p:ext>
+            </p:extLst>
+          </p:nvPr>
+        </p:nvSpPr>
+        <p:spPr>
+          <a:xfrm>
+            <a:off x="0" y="0"/>
+            <a:ext cx="6954691" cy="5143500"/>
+          </a:xfrm>
+          <a:custGeom>
+            <a:avLst/>
+            <a:gdLst>
+              <a:gd name="connsiteX0" fmla="*/ 0 w 9272922"/>
+              <a:gd name="connsiteY0" fmla="*/ 0 h 6858000"/>
+              <a:gd name="connsiteX1" fmla="*/ 1733417 w 9272922"/>
+              <a:gd name="connsiteY1" fmla="*/ 0 h 6858000"/>
+              <a:gd name="connsiteX2" fmla="*/ 3307976 w 9272922"/>
+              <a:gd name="connsiteY2" fmla="*/ 0 h 6858000"/>
+              <a:gd name="connsiteX3" fmla="*/ 8126249 w 9272922"/>
+              <a:gd name="connsiteY3" fmla="*/ 0 h 6858000"/>
+              <a:gd name="connsiteX4" fmla="*/ 8138896 w 9272922"/>
+              <a:gd name="connsiteY4" fmla="*/ 31774 h 6858000"/>
+              <a:gd name="connsiteX5" fmla="*/ 9193904 w 9272922"/>
+              <a:gd name="connsiteY5" fmla="*/ 2682457 h 6858000"/>
+              <a:gd name="connsiteX6" fmla="*/ 9193904 w 9272922"/>
+              <a:gd name="connsiteY6" fmla="*/ 3752208 h 6858000"/>
+              <a:gd name="connsiteX7" fmla="*/ 8036400 w 9272922"/>
+              <a:gd name="connsiteY7" fmla="*/ 6660411 h 6858000"/>
+              <a:gd name="connsiteX8" fmla="*/ 7957938 w 9272922"/>
+              <a:gd name="connsiteY8" fmla="*/ 6857542 h 6858000"/>
+              <a:gd name="connsiteX9" fmla="*/ 3307976 w 9272922"/>
+              <a:gd name="connsiteY9" fmla="*/ 6857542 h 6858000"/>
+              <a:gd name="connsiteX10" fmla="*/ 3307976 w 9272922"/>
+              <a:gd name="connsiteY10" fmla="*/ 6858000 h 6858000"/>
+              <a:gd name="connsiteX11" fmla="*/ 0 w 9272922"/>
+              <a:gd name="connsiteY11" fmla="*/ 6858000 h 6858000"/>
+            </a:gdLst>
+            <a:ahLst/>
+            <a:cxnLst>
+              <a:cxn ang="0">
+                <a:pos x="connsiteX0" y="connsiteY0"/>
+              </a:cxn>
+              <a:cxn ang="0">
+                <a:pos x="connsiteX1" y="connsiteY1"/>
+              </a:cxn>
+              <a:cxn ang="0">
+                <a:pos x="connsiteX2" y="connsiteY2"/>
+              </a:cxn>
+              <a:cxn ang="0">
+                <a:pos x="connsiteX3" y="connsiteY3"/>
+              </a:cxn>
+              <a:cxn ang="0">
+                <a:pos x="connsiteX4" y="connsiteY4"/>
+              </a:cxn>
+              <a:cxn ang="0">
+                <a:pos x="connsiteX5" y="connsiteY5"/>
+              </a:cxn>
+              <a:cxn ang="0">
+                <a:pos x="connsiteX6" y="connsiteY6"/>
+              </a:cxn>
+              <a:cxn ang="0">
+                <a:pos x="connsiteX7" y="connsiteY7"/>
+              </a:cxn>
+              <a:cxn ang="0">
+                <a:pos x="connsiteX8" y="connsiteY8"/>
+              </a:cxn>
+              <a:cxn ang="0">
+                <a:pos x="connsiteX9" y="connsiteY9"/>
+              </a:cxn>
+              <a:cxn ang="0">
+                <a:pos x="connsiteX10" y="connsiteY10"/>
+              </a:cxn>
+              <a:cxn ang="0">
+                <a:pos x="connsiteX11" y="connsiteY11"/>
+              </a:cxn>
+            </a:cxnLst>
+            <a:rect l="l" t="t" r="r" b="b"/>
+            <a:pathLst>
+              <a:path w="9272922" h="6858000">
+                <a:moveTo>
+                  <a:pt x="0" y="0"/>
+                </a:moveTo>
+                <a:lnTo>
+                  <a:pt x="1733417" y="0"/>
+                </a:lnTo>
+                <a:lnTo>
+                  <a:pt x="3307976" y="0"/>
+                </a:lnTo>
+                <a:lnTo>
+                  <a:pt x="8126249" y="0"/>
+                </a:lnTo>
+                <a:lnTo>
+                  <a:pt x="8138896" y="31774"/>
+                </a:lnTo>
+                <a:cubicBezTo>
+                  <a:pt x="9193904" y="2682457"/>
+                  <a:pt x="9193904" y="2682457"/>
+                  <a:pt x="9193904" y="2682457"/>
+                </a:cubicBezTo>
+                <a:cubicBezTo>
+                  <a:pt x="9299262" y="2988100"/>
+                  <a:pt x="9299262" y="3446565"/>
+                  <a:pt x="9193904" y="3752208"/>
+                </a:cubicBezTo>
+                <a:cubicBezTo>
+                  <a:pt x="8709916" y="4968215"/>
+                  <a:pt x="8331802" y="5918220"/>
+                  <a:pt x="8036400" y="6660411"/>
+                </a:cubicBezTo>
+                <a:lnTo>
+                  <a:pt x="7957938" y="6857542"/>
+                </a:lnTo>
+                <a:lnTo>
+                  <a:pt x="3307976" y="6857542"/>
+                </a:lnTo>
+                <a:lnTo>
+                  <a:pt x="3307976" y="6858000"/>
+                </a:lnTo>
+                <a:lnTo>
+                  <a:pt x="0" y="6858000"/>
+                </a:lnTo>
+                <a:close/>
+              </a:path>
+            </a:pathLst>
+          </a:custGeom>
+          <a:ln>
+            <a:noFill/>
+          </a:ln>
+        </p:spPr>
+        <p:style>
+          <a:lnRef idx="2">
+            <a:schemeClr val="accent1">
+              <a:shade val="50000"/>
+            </a:schemeClr>
+          </a:lnRef>
+          <a:fillRef idx="1">
+            <a:schemeClr val="accent1"/>
+          </a:fillRef>
+          <a:effectRef idx="0">
+            <a:schemeClr val="accent1"/>
+          </a:effectRef>
+          <a:fontRef idx="minor">
+            <a:schemeClr val="lt1"/>
+          </a:fontRef>
+        </p:style>
+        <p:txBody>
+          <a:bodyPr wrap="square" rtlCol="0" anchor="ctr">
+            <a:noAutofit/>
+          </a:bodyPr>
+          <a:lstStyle/>
+          <a:p>
+            <a:pPr algn="ctr"/>
+            <a:endParaRPr lang="en-US"/>
+          </a:p>
+        </p:txBody>
+      </p:sp>
+      <p:grpSp>
+        <p:nvGrpSpPr>
+          <p:cNvPr id="11" name="Group 10">
+            <a:extLst>
+              <a:ext uri="{FF2B5EF4-FFF2-40B4-BE49-F238E27FC236}">
+                <a16:creationId xmlns:a16="http://schemas.microsoft.com/office/drawing/2014/main" id="{58495BCC-CE77-4CC2-952E-846F41119FD5}"/>
+              </a:ext>
+              <a:ext uri="{C183D7F6-B498-43B3-948B-1728B52AA6E4}">
+                <adec:decorative xmlns:adec="http://schemas.microsoft.com/office/drawing/2017/decorative" val="1"/>
+              </a:ext>
+            </a:extLst>
+          </p:cNvPr>
+          <p:cNvGrpSpPr>
+            <a:grpSpLocks noGrp="1" noUngrp="1" noRot="1" noChangeAspect="1" noMove="1" noResize="1"/>
+          </p:cNvGrpSpPr>
+          <p:nvPr>
+            <p:extLst>
+              <p:ext uri="{386F3935-93C4-4BCD-93E2-E3B085C9AB24}">
+                <p16:designElem xmlns:p16="http://schemas.microsoft.com/office/powerpoint/2015/main" val="1"/>
+              </p:ext>
+            </p:extLst>
+          </p:nvPr>
+        </p:nvGrpSpPr>
+        <p:grpSpPr>
+          <a:xfrm>
+            <a:off x="6870420" y="806391"/>
+            <a:ext cx="1171701" cy="879729"/>
+            <a:chOff x="9160561" y="1075188"/>
+            <a:chExt cx="1562267" cy="1172973"/>
+          </a:xfrm>
+        </p:grpSpPr>
+        <p:sp>
+          <p:nvSpPr>
+            <p:cNvPr id="12" name="Freeform 5">
+              <a:extLst>
+                <a:ext uri="{FF2B5EF4-FFF2-40B4-BE49-F238E27FC236}">
+                  <a16:creationId xmlns:a16="http://schemas.microsoft.com/office/drawing/2014/main" id="{1B42538B-E30F-4967-A6C1-8EBA775F4D60}"/>
+                </a:ext>
+                <a:ext uri="{C183D7F6-B498-43B3-948B-1728B52AA6E4}">
+                  <adec:decorative xmlns:adec="http://schemas.microsoft.com/office/drawing/2017/decorative" val="1"/>
+                </a:ext>
+              </a:extLst>
+            </p:cNvPr>
+            <p:cNvSpPr>
+              <a:spLocks/>
+            </p:cNvSpPr>
+            <p:nvPr>
+              <p:extLst>
+                <p:ext uri="{386F3935-93C4-4BCD-93E2-E3B085C9AB24}">
+                  <p16:designElem xmlns:p16="http://schemas.microsoft.com/office/powerpoint/2015/main" val="1"/>
+                </p:ext>
+              </p:extLst>
+            </p:nvPr>
+          </p:nvSpPr>
+          <p:spPr bwMode="auto">
+            <a:xfrm>
+              <a:off x="9160561" y="1423846"/>
+              <a:ext cx="935037" cy="824315"/>
+            </a:xfrm>
+            <a:custGeom>
+              <a:avLst/>
+              <a:gdLst>
+                <a:gd name="T0" fmla="*/ 225 w 785"/>
+                <a:gd name="T1" fmla="*/ 692 h 692"/>
+                <a:gd name="T2" fmla="*/ 177 w 785"/>
+                <a:gd name="T3" fmla="*/ 665 h 692"/>
+                <a:gd name="T4" fmla="*/ 9 w 785"/>
+                <a:gd name="T5" fmla="*/ 374 h 692"/>
+                <a:gd name="T6" fmla="*/ 9 w 785"/>
+                <a:gd name="T7" fmla="*/ 318 h 692"/>
+                <a:gd name="T8" fmla="*/ 177 w 785"/>
+                <a:gd name="T9" fmla="*/ 27 h 692"/>
+                <a:gd name="T10" fmla="*/ 225 w 785"/>
+                <a:gd name="T11" fmla="*/ 0 h 692"/>
+                <a:gd name="T12" fmla="*/ 561 w 785"/>
+                <a:gd name="T13" fmla="*/ 0 h 692"/>
+                <a:gd name="T14" fmla="*/ 609 w 785"/>
+                <a:gd name="T15" fmla="*/ 27 h 692"/>
+                <a:gd name="T16" fmla="*/ 777 w 785"/>
+                <a:gd name="T17" fmla="*/ 318 h 692"/>
+                <a:gd name="T18" fmla="*/ 777 w 785"/>
+                <a:gd name="T19" fmla="*/ 374 h 692"/>
+                <a:gd name="T20" fmla="*/ 609 w 785"/>
+                <a:gd name="T21" fmla="*/ 665 h 692"/>
+                <a:gd name="T22" fmla="*/ 561 w 785"/>
+                <a:gd name="T23" fmla="*/ 692 h 692"/>
+                <a:gd name="T24" fmla="*/ 225 w 785"/>
+                <a:gd name="T25" fmla="*/ 692 h 692"/>
+              </a:gdLst>
+              <a:ahLst/>
+              <a:cxnLst>
+                <a:cxn ang="0">
+                  <a:pos x="T0" y="T1"/>
+                </a:cxn>
+                <a:cxn ang="0">
+                  <a:pos x="T2" y="T3"/>
+                </a:cxn>
+                <a:cxn ang="0">
+                  <a:pos x="T4" y="T5"/>
+                </a:cxn>
+                <a:cxn ang="0">
+                  <a:pos x="T6" y="T7"/>
+                </a:cxn>
+                <a:cxn ang="0">
+                  <a:pos x="T8" y="T9"/>
+                </a:cxn>
+                <a:cxn ang="0">
+                  <a:pos x="T10" y="T11"/>
+                </a:cxn>
+                <a:cxn ang="0">
+                  <a:pos x="T12" y="T13"/>
+                </a:cxn>
+                <a:cxn ang="0">
+                  <a:pos x="T14" y="T15"/>
+                </a:cxn>
+                <a:cxn ang="0">
+                  <a:pos x="T16" y="T17"/>
+                </a:cxn>
+                <a:cxn ang="0">
+                  <a:pos x="T18" y="T19"/>
+                </a:cxn>
+                <a:cxn ang="0">
+                  <a:pos x="T20" y="T21"/>
+                </a:cxn>
+                <a:cxn ang="0">
+                  <a:pos x="T22" y="T23"/>
+                </a:cxn>
+                <a:cxn ang="0">
+                  <a:pos x="T24" y="T25"/>
+                </a:cxn>
+              </a:cxnLst>
+              <a:rect l="0" t="0" r="r" b="b"/>
+              <a:pathLst>
+                <a:path w="785" h="692">
+                  <a:moveTo>
+                    <a:pt x="225" y="692"/>
+                  </a:moveTo>
+                  <a:cubicBezTo>
+                    <a:pt x="207" y="692"/>
+                    <a:pt x="185" y="680"/>
+                    <a:pt x="177" y="665"/>
+                  </a:cubicBezTo>
+                  <a:cubicBezTo>
+                    <a:pt x="9" y="374"/>
+                    <a:pt x="9" y="374"/>
+                    <a:pt x="9" y="374"/>
+                  </a:cubicBezTo>
+                  <a:cubicBezTo>
+                    <a:pt x="0" y="358"/>
+                    <a:pt x="0" y="334"/>
+                    <a:pt x="9" y="318"/>
+                  </a:cubicBezTo>
+                  <a:cubicBezTo>
+                    <a:pt x="177" y="27"/>
+                    <a:pt x="177" y="27"/>
+                    <a:pt x="177" y="27"/>
+                  </a:cubicBezTo>
+                  <a:cubicBezTo>
+                    <a:pt x="185" y="12"/>
+                    <a:pt x="207" y="0"/>
+                    <a:pt x="225" y="0"/>
+                  </a:cubicBezTo>
+                  <a:cubicBezTo>
+                    <a:pt x="561" y="0"/>
+                    <a:pt x="561" y="0"/>
+                    <a:pt x="561" y="0"/>
+                  </a:cubicBezTo>
+                  <a:cubicBezTo>
+                    <a:pt x="578" y="0"/>
+                    <a:pt x="600" y="12"/>
+                    <a:pt x="609" y="27"/>
+                  </a:cubicBezTo>
+                  <a:cubicBezTo>
+                    <a:pt x="777" y="318"/>
+                    <a:pt x="777" y="318"/>
+                    <a:pt x="777" y="318"/>
+                  </a:cubicBezTo>
+                  <a:cubicBezTo>
+                    <a:pt x="785" y="334"/>
+                    <a:pt x="785" y="358"/>
+                    <a:pt x="777" y="374"/>
+                  </a:cubicBezTo>
+                  <a:cubicBezTo>
+                    <a:pt x="609" y="665"/>
+                    <a:pt x="609" y="665"/>
+                    <a:pt x="609" y="665"/>
+                  </a:cubicBezTo>
+                  <a:cubicBezTo>
+                    <a:pt x="600" y="680"/>
+                    <a:pt x="578" y="692"/>
+                    <a:pt x="561" y="692"/>
+                  </a:cubicBezTo>
+                  <a:lnTo>
+                    <a:pt x="225" y="692"/>
+                  </a:lnTo>
+                  <a:close/>
+                </a:path>
+              </a:pathLst>
+            </a:custGeom>
+            <a:noFill/>
+            <a:ln w="28575" cmpd="sng">
+              <a:solidFill>
+                <a:schemeClr val="bg1"/>
+              </a:solidFill>
+            </a:ln>
+          </p:spPr>
+          <p:txBody>
+            <a:bodyPr vert="horz" wrap="square" lIns="91440" tIns="45720" rIns="91440" bIns="45720" numCol="1" anchor="t" anchorCtr="0" compatLnSpc="1">
+              <a:prstTxWarp prst="textNoShape">
+                <a:avLst/>
+              </a:prstTxWarp>
+            </a:bodyPr>
+            <a:lstStyle/>
+            <a:p>
+              <a:endParaRPr lang="en-US"/>
+            </a:p>
+          </p:txBody>
+        </p:sp>
+        <p:sp>
+          <p:nvSpPr>
+            <p:cNvPr id="13" name="Freeform 5">
+              <a:extLst>
+                <a:ext uri="{FF2B5EF4-FFF2-40B4-BE49-F238E27FC236}">
+                  <a16:creationId xmlns:a16="http://schemas.microsoft.com/office/drawing/2014/main" id="{9A6BD9AC-4DE7-4B20-8547-4E3B375C21F7}"/>
+                </a:ext>
+                <a:ext uri="{C183D7F6-B498-43B3-948B-1728B52AA6E4}">
+                  <adec:decorative xmlns:adec="http://schemas.microsoft.com/office/drawing/2017/decorative" val="1"/>
+                </a:ext>
+              </a:extLst>
+            </p:cNvPr>
+            <p:cNvSpPr>
+              <a:spLocks/>
+            </p:cNvSpPr>
+            <p:nvPr>
+              <p:extLst>
+                <p:ext uri="{386F3935-93C4-4BCD-93E2-E3B085C9AB24}">
+                  <p16:designElem xmlns:p16="http://schemas.microsoft.com/office/powerpoint/2015/main" val="1"/>
+                </p:ext>
+              </p:extLst>
+            </p:nvPr>
+          </p:nvSpPr>
+          <p:spPr bwMode="auto">
+            <a:xfrm>
+              <a:off x="9960661" y="1075188"/>
+              <a:ext cx="762167" cy="671915"/>
+            </a:xfrm>
+            <a:custGeom>
+              <a:avLst/>
+              <a:gdLst>
+                <a:gd name="T0" fmla="*/ 225 w 785"/>
+                <a:gd name="T1" fmla="*/ 692 h 692"/>
+                <a:gd name="T2" fmla="*/ 177 w 785"/>
+                <a:gd name="T3" fmla="*/ 665 h 692"/>
+                <a:gd name="T4" fmla="*/ 9 w 785"/>
+                <a:gd name="T5" fmla="*/ 374 h 692"/>
+                <a:gd name="T6" fmla="*/ 9 w 785"/>
+                <a:gd name="T7" fmla="*/ 318 h 692"/>
+                <a:gd name="T8" fmla="*/ 177 w 785"/>
+                <a:gd name="T9" fmla="*/ 27 h 692"/>
+                <a:gd name="T10" fmla="*/ 225 w 785"/>
+                <a:gd name="T11" fmla="*/ 0 h 692"/>
+                <a:gd name="T12" fmla="*/ 561 w 785"/>
+                <a:gd name="T13" fmla="*/ 0 h 692"/>
+                <a:gd name="T14" fmla="*/ 609 w 785"/>
+                <a:gd name="T15" fmla="*/ 27 h 692"/>
+                <a:gd name="T16" fmla="*/ 777 w 785"/>
+                <a:gd name="T17" fmla="*/ 318 h 692"/>
+                <a:gd name="T18" fmla="*/ 777 w 785"/>
+                <a:gd name="T19" fmla="*/ 374 h 692"/>
+                <a:gd name="T20" fmla="*/ 609 w 785"/>
+                <a:gd name="T21" fmla="*/ 665 h 692"/>
+                <a:gd name="T22" fmla="*/ 561 w 785"/>
+                <a:gd name="T23" fmla="*/ 692 h 692"/>
+                <a:gd name="T24" fmla="*/ 225 w 785"/>
+                <a:gd name="T25" fmla="*/ 692 h 692"/>
+              </a:gdLst>
+              <a:ahLst/>
+              <a:cxnLst>
+                <a:cxn ang="0">
+                  <a:pos x="T0" y="T1"/>
+                </a:cxn>
+                <a:cxn ang="0">
+                  <a:pos x="T2" y="T3"/>
+                </a:cxn>
+                <a:cxn ang="0">
+                  <a:pos x="T4" y="T5"/>
+                </a:cxn>
+                <a:cxn ang="0">
+                  <a:pos x="T6" y="T7"/>
+                </a:cxn>
+                <a:cxn ang="0">
+                  <a:pos x="T8" y="T9"/>
+                </a:cxn>
+                <a:cxn ang="0">
+                  <a:pos x="T10" y="T11"/>
+                </a:cxn>
+                <a:cxn ang="0">
+                  <a:pos x="T12" y="T13"/>
+                </a:cxn>
+                <a:cxn ang="0">
+                  <a:pos x="T14" y="T15"/>
+                </a:cxn>
+                <a:cxn ang="0">
+                  <a:pos x="T16" y="T17"/>
+                </a:cxn>
+                <a:cxn ang="0">
+                  <a:pos x="T18" y="T19"/>
+                </a:cxn>
+                <a:cxn ang="0">
+                  <a:pos x="T20" y="T21"/>
+                </a:cxn>
+                <a:cxn ang="0">
+                  <a:pos x="T22" y="T23"/>
+                </a:cxn>
+                <a:cxn ang="0">
+                  <a:pos x="T24" y="T25"/>
+                </a:cxn>
+              </a:cxnLst>
+              <a:rect l="0" t="0" r="r" b="b"/>
+              <a:pathLst>
+                <a:path w="785" h="692">
+                  <a:moveTo>
+                    <a:pt x="225" y="692"/>
+                  </a:moveTo>
+                  <a:cubicBezTo>
+                    <a:pt x="207" y="692"/>
+                    <a:pt x="185" y="680"/>
+                    <a:pt x="177" y="665"/>
+                  </a:cubicBezTo>
+                  <a:cubicBezTo>
+                    <a:pt x="9" y="374"/>
+                    <a:pt x="9" y="374"/>
+                    <a:pt x="9" y="374"/>
+                  </a:cubicBezTo>
+                  <a:cubicBezTo>
+                    <a:pt x="0" y="358"/>
+                    <a:pt x="0" y="334"/>
+                    <a:pt x="9" y="318"/>
+                  </a:cubicBezTo>
+                  <a:cubicBezTo>
+                    <a:pt x="177" y="27"/>
+                    <a:pt x="177" y="27"/>
+                    <a:pt x="177" y="27"/>
+                  </a:cubicBezTo>
+                  <a:cubicBezTo>
+                    <a:pt x="185" y="12"/>
+                    <a:pt x="207" y="0"/>
+                    <a:pt x="225" y="0"/>
+                  </a:cubicBezTo>
+                  <a:cubicBezTo>
+                    <a:pt x="561" y="0"/>
+                    <a:pt x="561" y="0"/>
+                    <a:pt x="561" y="0"/>
+                  </a:cubicBezTo>
+                  <a:cubicBezTo>
+                    <a:pt x="578" y="0"/>
+                    <a:pt x="600" y="12"/>
+                    <a:pt x="609" y="27"/>
+                  </a:cubicBezTo>
+                  <a:cubicBezTo>
+                    <a:pt x="777" y="318"/>
+                    <a:pt x="777" y="318"/>
+                    <a:pt x="777" y="318"/>
+                  </a:cubicBezTo>
+                  <a:cubicBezTo>
+                    <a:pt x="785" y="334"/>
+                    <a:pt x="785" y="358"/>
+                    <a:pt x="777" y="374"/>
+                  </a:cubicBezTo>
+                  <a:cubicBezTo>
+                    <a:pt x="609" y="665"/>
+                    <a:pt x="609" y="665"/>
+                    <a:pt x="609" y="665"/>
+                  </a:cubicBezTo>
+                  <a:cubicBezTo>
+                    <a:pt x="600" y="680"/>
+                    <a:pt x="578" y="692"/>
+                    <a:pt x="561" y="692"/>
+                  </a:cubicBezTo>
+                  <a:lnTo>
+                    <a:pt x="225" y="692"/>
+                  </a:lnTo>
+                  <a:close/>
+                </a:path>
+              </a:pathLst>
+            </a:custGeom>
+            <a:noFill/>
+            <a:ln w="28575" cmpd="sng">
+              <a:solidFill>
+                <a:schemeClr val="bg1"/>
+              </a:solidFill>
+            </a:ln>
+          </p:spPr>
+          <p:txBody>
+            <a:bodyPr vert="horz" wrap="square" lIns="91440" tIns="45720" rIns="91440" bIns="45720" numCol="1" anchor="t" anchorCtr="0" compatLnSpc="1">
+              <a:prstTxWarp prst="textNoShape">
+                <a:avLst/>
+              </a:prstTxWarp>
+            </a:bodyPr>
+            <a:lstStyle/>
+            <a:p>
+              <a:endParaRPr lang="en-US"/>
+            </a:p>
+          </p:txBody>
+        </p:sp>
+      </p:grpSp>
       <p:pic>
         <p:nvPicPr>
-          <p:cNvPr id="2" name="Picture 1" descr="sqlserver.png"/>
+          <p:cNvPr id="3" name="Picture 2" descr="sqlserver.png">
+            <a:extLst>
+              <a:ext uri="{FF2B5EF4-FFF2-40B4-BE49-F238E27FC236}">
+                <a16:creationId xmlns:a16="http://schemas.microsoft.com/office/drawing/2014/main" id="{F91EDCFB-A363-E783-1BB5-5C567891FE25}"/>
+              </a:ext>
+            </a:extLst>
+          </p:cNvPr>
           <p:cNvPicPr>
             <a:picLocks noGrp="1" noChangeAspect="1"/>
           </p:cNvPicPr>
@@ -3117,24 +3775,20 @@
         </p:nvPicPr>
         <p:blipFill>
           <a:blip r:embed="rId2"/>
+          <a:srcRect l="2193" t="4481" r="3658" b="6674"/>
           <a:stretch>
             <a:fillRect/>
           </a:stretch>
         </p:blipFill>
         <p:spPr bwMode="auto">
           <a:xfrm>
-            <a:off x="457200" y="1524000"/>
-            <a:ext cx="8229600" cy="2222500"/>
+            <a:off x="131736" y="1619573"/>
+            <a:ext cx="6540285" cy="1666364"/>
           </a:xfrm>
           <a:prstGeom prst="rect">
             <a:avLst/>
           </a:prstGeom>
           <a:noFill/>
-          <a:ln w="9525">
-            <a:noFill/>
-            <a:headEnd/>
-            <a:tailEnd/>
-          </a:ln>
         </p:spPr>
       </p:pic>
     </p:spTree>
@@ -3164,30 +3818,6 @@
       </p:grpSpPr>
       <p:sp>
         <p:nvSpPr>
-          <p:cNvPr id="2" name="Title 1"/>
-          <p:cNvSpPr>
-            <a:spLocks noGrp="1"/>
-          </p:cNvSpPr>
-          <p:nvPr>
-            <p:ph type="title"/>
-          </p:nvPr>
-        </p:nvSpPr>
-        <p:spPr/>
-        <p:txBody>
-          <a:bodyPr/>
-          <a:lstStyle/>
-          <a:p>
-            <a:pPr marL="0" lvl="0" indent="0">
-              <a:buNone/>
-            </a:pPr>
-            <a:r>
-              <a:t>DENSE_RANK():</a:t>
-            </a:r>
-          </a:p>
-        </p:txBody>
-      </p:sp>
-      <p:sp>
-        <p:nvSpPr>
           <p:cNvPr id="3" name="Content Placeholder 2"/>
           <p:cNvSpPr>
             <a:spLocks noGrp="1"/>
@@ -3196,7 +3826,12 @@
             <p:ph idx="1"/>
           </p:nvPr>
         </p:nvSpPr>
-        <p:spPr/>
+        <p:spPr>
+          <a:xfrm>
+            <a:off x="457200" y="874514"/>
+            <a:ext cx="8229600" cy="3394472"/>
+          </a:xfrm>
+        </p:spPr>
         <p:txBody>
           <a:bodyPr>
             <a:noAutofit/>
@@ -3690,6 +4325,158 @@
               </a:rPr>
               <a:t>;</a:t>
             </a:r>
+          </a:p>
+        </p:txBody>
+      </p:sp>
+      <p:sp>
+        <p:nvSpPr>
+          <p:cNvPr id="4" name="Title 1">
+            <a:extLst>
+              <a:ext uri="{FF2B5EF4-FFF2-40B4-BE49-F238E27FC236}">
+                <a16:creationId xmlns:a16="http://schemas.microsoft.com/office/drawing/2014/main" id="{0EBE7F09-C80C-F796-99BF-3CB283E06FFA}"/>
+              </a:ext>
+            </a:extLst>
+          </p:cNvPr>
+          <p:cNvSpPr txBox="1">
+            <a:spLocks/>
+          </p:cNvSpPr>
+          <p:nvPr/>
+        </p:nvSpPr>
+        <p:spPr>
+          <a:xfrm>
+            <a:off x="0" y="1"/>
+            <a:ext cx="9144000" cy="548876"/>
+          </a:xfrm>
+          <a:prstGeom prst="rect">
+            <a:avLst/>
+          </a:prstGeom>
+          <a:solidFill>
+            <a:schemeClr val="tx1"/>
+          </a:solidFill>
+        </p:spPr>
+        <p:txBody>
+          <a:bodyPr vert="horz" lIns="91440" tIns="45720" rIns="91440" bIns="45720" rtlCol="0" anchor="ctr">
+            <a:normAutofit/>
+          </a:bodyPr>
+          <a:lstStyle>
+            <a:lvl1pPr algn="ctr" defTabSz="342900" rtl="0" eaLnBrk="1" latinLnBrk="0" hangingPunct="1">
+              <a:spcBef>
+                <a:spcPct val="0"/>
+              </a:spcBef>
+              <a:buNone/>
+              <a:defRPr sz="3300" kern="1200">
+                <a:solidFill>
+                  <a:schemeClr val="tx1"/>
+                </a:solidFill>
+                <a:latin typeface="+mj-lt"/>
+                <a:ea typeface="+mj-ea"/>
+                <a:cs typeface="+mj-cs"/>
+              </a:defRPr>
+            </a:lvl1pPr>
+          </a:lstStyle>
+          <a:p>
+            <a:pPr algn="l"/>
+            <a:r>
+              <a:rPr lang="en-IN" sz="2800" dirty="0">
+                <a:solidFill>
+                  <a:schemeClr val="bg1"/>
+                </a:solidFill>
+              </a:rPr>
+              <a:t>DENSE_RANK():</a:t>
+            </a:r>
+          </a:p>
+        </p:txBody>
+      </p:sp>
+      <p:pic>
+        <p:nvPicPr>
+          <p:cNvPr id="5" name="Picture 4">
+            <a:extLst>
+              <a:ext uri="{FF2B5EF4-FFF2-40B4-BE49-F238E27FC236}">
+                <a16:creationId xmlns:a16="http://schemas.microsoft.com/office/drawing/2014/main" id="{3D2CB846-8B1D-8A85-299E-62512A45CA89}"/>
+              </a:ext>
+            </a:extLst>
+          </p:cNvPr>
+          <p:cNvPicPr>
+            <a:picLocks noChangeAspect="1"/>
+          </p:cNvPicPr>
+          <p:nvPr/>
+        </p:nvPicPr>
+        <p:blipFill>
+          <a:blip r:embed="rId2"/>
+          <a:stretch>
+            <a:fillRect/>
+          </a:stretch>
+        </p:blipFill>
+        <p:spPr>
+          <a:xfrm>
+            <a:off x="5763675" y="51792"/>
+            <a:ext cx="3380325" cy="445294"/>
+          </a:xfrm>
+          <a:prstGeom prst="rect">
+            <a:avLst/>
+          </a:prstGeom>
+        </p:spPr>
+      </p:pic>
+      <p:sp>
+        <p:nvSpPr>
+          <p:cNvPr id="6" name="Title 1">
+            <a:extLst>
+              <a:ext uri="{FF2B5EF4-FFF2-40B4-BE49-F238E27FC236}">
+                <a16:creationId xmlns:a16="http://schemas.microsoft.com/office/drawing/2014/main" id="{930F58CD-C816-DE08-F6DE-8504921D96CD}"/>
+              </a:ext>
+            </a:extLst>
+          </p:cNvPr>
+          <p:cNvSpPr txBox="1">
+            <a:spLocks/>
+          </p:cNvSpPr>
+          <p:nvPr/>
+        </p:nvSpPr>
+        <p:spPr>
+          <a:xfrm>
+            <a:off x="0" y="4858718"/>
+            <a:ext cx="9144000" cy="284781"/>
+          </a:xfrm>
+          <a:prstGeom prst="rect">
+            <a:avLst/>
+          </a:prstGeom>
+          <a:solidFill>
+            <a:schemeClr val="tx1"/>
+          </a:solidFill>
+        </p:spPr>
+        <p:txBody>
+          <a:bodyPr vert="horz" lIns="91440" tIns="45720" rIns="91440" bIns="45720" rtlCol="0" anchor="ctr">
+            <a:normAutofit/>
+          </a:bodyPr>
+          <a:lstStyle>
+            <a:lvl1pPr algn="ctr" defTabSz="342900" rtl="0" eaLnBrk="1" latinLnBrk="0" hangingPunct="1">
+              <a:spcBef>
+                <a:spcPct val="0"/>
+              </a:spcBef>
+              <a:buNone/>
+              <a:defRPr sz="3300" kern="1200">
+                <a:solidFill>
+                  <a:schemeClr val="tx1"/>
+                </a:solidFill>
+                <a:latin typeface="+mj-lt"/>
+                <a:ea typeface="+mj-ea"/>
+                <a:cs typeface="+mj-cs"/>
+              </a:defRPr>
+            </a:lvl1pPr>
+          </a:lstStyle>
+          <a:p>
+            <a:r>
+              <a:rPr lang="en-IN" sz="1200" dirty="0">
+                <a:solidFill>
+                  <a:schemeClr val="bg1"/>
+                </a:solidFill>
+              </a:rPr>
+              <a:t>(©) tinitiate.com</a:t>
+            </a:r>
+            <a:endParaRPr lang="en-IN" sz="1000" dirty="0">
+              <a:solidFill>
+                <a:schemeClr val="bg1"/>
+              </a:solidFill>
+            </a:endParaRPr>
           </a:p>
         </p:txBody>
       </p:sp>
@@ -3726,36 +4513,6 @@
       </p:grpSpPr>
       <p:sp>
         <p:nvSpPr>
-          <p:cNvPr id="2" name="Title 1">
-            <a:extLst>
-              <a:ext uri="{FF2B5EF4-FFF2-40B4-BE49-F238E27FC236}">
-                <a16:creationId xmlns:a16="http://schemas.microsoft.com/office/drawing/2014/main" id="{AEEA96C5-7D70-27DD-00EB-7B646D0D077F}"/>
-              </a:ext>
-            </a:extLst>
-          </p:cNvPr>
-          <p:cNvSpPr>
-            <a:spLocks noGrp="1"/>
-          </p:cNvSpPr>
-          <p:nvPr>
-            <p:ph type="title"/>
-          </p:nvPr>
-        </p:nvSpPr>
-        <p:spPr/>
-        <p:txBody>
-          <a:bodyPr/>
-          <a:lstStyle/>
-          <a:p>
-            <a:pPr marL="0" lvl="0" indent="0">
-              <a:buNone/>
-            </a:pPr>
-            <a:r>
-              <a:t>DENSE_RANK():</a:t>
-            </a:r>
-          </a:p>
-        </p:txBody>
-      </p:sp>
-      <p:sp>
-        <p:nvSpPr>
           <p:cNvPr id="3" name="Content Placeholder 2">
             <a:extLst>
               <a:ext uri="{FF2B5EF4-FFF2-40B4-BE49-F238E27FC236}">
@@ -3770,7 +4527,12 @@
             <p:ph idx="1"/>
           </p:nvPr>
         </p:nvSpPr>
-        <p:spPr/>
+        <p:spPr>
+          <a:xfrm>
+            <a:off x="457200" y="874514"/>
+            <a:ext cx="8229600" cy="3394472"/>
+          </a:xfrm>
+        </p:spPr>
         <p:txBody>
           <a:bodyPr>
             <a:noAutofit/>
@@ -4794,6 +5556,158 @@
               </a:rPr>
               <a:t> e;</a:t>
             </a:r>
+          </a:p>
+        </p:txBody>
+      </p:sp>
+      <p:sp>
+        <p:nvSpPr>
+          <p:cNvPr id="4" name="Title 1">
+            <a:extLst>
+              <a:ext uri="{FF2B5EF4-FFF2-40B4-BE49-F238E27FC236}">
+                <a16:creationId xmlns:a16="http://schemas.microsoft.com/office/drawing/2014/main" id="{C3EED8AB-BEE4-7B36-121F-DA977F0273A4}"/>
+              </a:ext>
+            </a:extLst>
+          </p:cNvPr>
+          <p:cNvSpPr txBox="1">
+            <a:spLocks/>
+          </p:cNvSpPr>
+          <p:nvPr/>
+        </p:nvSpPr>
+        <p:spPr>
+          <a:xfrm>
+            <a:off x="0" y="1"/>
+            <a:ext cx="9144000" cy="548876"/>
+          </a:xfrm>
+          <a:prstGeom prst="rect">
+            <a:avLst/>
+          </a:prstGeom>
+          <a:solidFill>
+            <a:schemeClr val="tx1"/>
+          </a:solidFill>
+        </p:spPr>
+        <p:txBody>
+          <a:bodyPr vert="horz" lIns="91440" tIns="45720" rIns="91440" bIns="45720" rtlCol="0" anchor="ctr">
+            <a:normAutofit/>
+          </a:bodyPr>
+          <a:lstStyle>
+            <a:lvl1pPr algn="ctr" defTabSz="342900" rtl="0" eaLnBrk="1" latinLnBrk="0" hangingPunct="1">
+              <a:spcBef>
+                <a:spcPct val="0"/>
+              </a:spcBef>
+              <a:buNone/>
+              <a:defRPr sz="3300" kern="1200">
+                <a:solidFill>
+                  <a:schemeClr val="tx1"/>
+                </a:solidFill>
+                <a:latin typeface="+mj-lt"/>
+                <a:ea typeface="+mj-ea"/>
+                <a:cs typeface="+mj-cs"/>
+              </a:defRPr>
+            </a:lvl1pPr>
+          </a:lstStyle>
+          <a:p>
+            <a:pPr algn="l"/>
+            <a:r>
+              <a:rPr lang="en-IN" sz="2800" dirty="0">
+                <a:solidFill>
+                  <a:schemeClr val="bg1"/>
+                </a:solidFill>
+              </a:rPr>
+              <a:t>DENSE_RANK():</a:t>
+            </a:r>
+          </a:p>
+        </p:txBody>
+      </p:sp>
+      <p:pic>
+        <p:nvPicPr>
+          <p:cNvPr id="5" name="Picture 4">
+            <a:extLst>
+              <a:ext uri="{FF2B5EF4-FFF2-40B4-BE49-F238E27FC236}">
+                <a16:creationId xmlns:a16="http://schemas.microsoft.com/office/drawing/2014/main" id="{E585E3C5-FE2A-3CC7-D2D3-F9DF0D990B50}"/>
+              </a:ext>
+            </a:extLst>
+          </p:cNvPr>
+          <p:cNvPicPr>
+            <a:picLocks noChangeAspect="1"/>
+          </p:cNvPicPr>
+          <p:nvPr/>
+        </p:nvPicPr>
+        <p:blipFill>
+          <a:blip r:embed="rId2"/>
+          <a:stretch>
+            <a:fillRect/>
+          </a:stretch>
+        </p:blipFill>
+        <p:spPr>
+          <a:xfrm>
+            <a:off x="5763675" y="51792"/>
+            <a:ext cx="3380325" cy="445294"/>
+          </a:xfrm>
+          <a:prstGeom prst="rect">
+            <a:avLst/>
+          </a:prstGeom>
+        </p:spPr>
+      </p:pic>
+      <p:sp>
+        <p:nvSpPr>
+          <p:cNvPr id="6" name="Title 1">
+            <a:extLst>
+              <a:ext uri="{FF2B5EF4-FFF2-40B4-BE49-F238E27FC236}">
+                <a16:creationId xmlns:a16="http://schemas.microsoft.com/office/drawing/2014/main" id="{09D5BA19-0BAA-6481-F8C8-F6FEBB3611E0}"/>
+              </a:ext>
+            </a:extLst>
+          </p:cNvPr>
+          <p:cNvSpPr txBox="1">
+            <a:spLocks/>
+          </p:cNvSpPr>
+          <p:nvPr/>
+        </p:nvSpPr>
+        <p:spPr>
+          <a:xfrm>
+            <a:off x="0" y="4858718"/>
+            <a:ext cx="9144000" cy="284781"/>
+          </a:xfrm>
+          <a:prstGeom prst="rect">
+            <a:avLst/>
+          </a:prstGeom>
+          <a:solidFill>
+            <a:schemeClr val="tx1"/>
+          </a:solidFill>
+        </p:spPr>
+        <p:txBody>
+          <a:bodyPr vert="horz" lIns="91440" tIns="45720" rIns="91440" bIns="45720" rtlCol="0" anchor="ctr">
+            <a:normAutofit/>
+          </a:bodyPr>
+          <a:lstStyle>
+            <a:lvl1pPr algn="ctr" defTabSz="342900" rtl="0" eaLnBrk="1" latinLnBrk="0" hangingPunct="1">
+              <a:spcBef>
+                <a:spcPct val="0"/>
+              </a:spcBef>
+              <a:buNone/>
+              <a:defRPr sz="3300" kern="1200">
+                <a:solidFill>
+                  <a:schemeClr val="tx1"/>
+                </a:solidFill>
+                <a:latin typeface="+mj-lt"/>
+                <a:ea typeface="+mj-ea"/>
+                <a:cs typeface="+mj-cs"/>
+              </a:defRPr>
+            </a:lvl1pPr>
+          </a:lstStyle>
+          <a:p>
+            <a:r>
+              <a:rPr lang="en-IN" sz="1200" dirty="0">
+                <a:solidFill>
+                  <a:schemeClr val="bg1"/>
+                </a:solidFill>
+              </a:rPr>
+              <a:t>(©) tinitiate.com</a:t>
+            </a:r>
+            <a:endParaRPr lang="en-IN" sz="1000" dirty="0">
+              <a:solidFill>
+                <a:schemeClr val="bg1"/>
+              </a:solidFill>
+            </a:endParaRPr>
           </a:p>
         </p:txBody>
       </p:sp>
@@ -4829,31 +5743,6 @@
       </p:grpSpPr>
       <p:sp>
         <p:nvSpPr>
-          <p:cNvPr id="2" name="Title 1"/>
-          <p:cNvSpPr>
-            <a:spLocks noGrp="1"/>
-          </p:cNvSpPr>
-          <p:nvPr>
-            <p:ph type="title"/>
-          </p:nvPr>
-        </p:nvSpPr>
-        <p:spPr/>
-        <p:txBody>
-          <a:bodyPr/>
-          <a:lstStyle/>
-          <a:p>
-            <a:pPr marL="0" lvl="0" indent="0">
-              <a:buNone/>
-            </a:pPr>
-            <a:r>
-              <a:rPr dirty="0"/>
-              <a:t>NTILE(n):</a:t>
-            </a:r>
-          </a:p>
-        </p:txBody>
-      </p:sp>
-      <p:sp>
-        <p:nvSpPr>
           <p:cNvPr id="3" name="Content Placeholder 2"/>
           <p:cNvSpPr>
             <a:spLocks noGrp="1"/>
@@ -4862,7 +5751,12 @@
             <p:ph idx="1"/>
           </p:nvPr>
         </p:nvSpPr>
-        <p:spPr/>
+        <p:spPr>
+          <a:xfrm>
+            <a:off x="457200" y="874514"/>
+            <a:ext cx="8229600" cy="3394472"/>
+          </a:xfrm>
+        </p:spPr>
         <p:txBody>
           <a:bodyPr>
             <a:noAutofit/>
@@ -5356,6 +6250,158 @@
               </a:rPr>
               <a:t>;</a:t>
             </a:r>
+          </a:p>
+        </p:txBody>
+      </p:sp>
+      <p:sp>
+        <p:nvSpPr>
+          <p:cNvPr id="4" name="Title 1">
+            <a:extLst>
+              <a:ext uri="{FF2B5EF4-FFF2-40B4-BE49-F238E27FC236}">
+                <a16:creationId xmlns:a16="http://schemas.microsoft.com/office/drawing/2014/main" id="{55E2F297-B533-DB9B-2A18-E7E48FC4E29B}"/>
+              </a:ext>
+            </a:extLst>
+          </p:cNvPr>
+          <p:cNvSpPr txBox="1">
+            <a:spLocks/>
+          </p:cNvSpPr>
+          <p:nvPr/>
+        </p:nvSpPr>
+        <p:spPr>
+          <a:xfrm>
+            <a:off x="0" y="1"/>
+            <a:ext cx="9144000" cy="548876"/>
+          </a:xfrm>
+          <a:prstGeom prst="rect">
+            <a:avLst/>
+          </a:prstGeom>
+          <a:solidFill>
+            <a:schemeClr val="tx1"/>
+          </a:solidFill>
+        </p:spPr>
+        <p:txBody>
+          <a:bodyPr vert="horz" lIns="91440" tIns="45720" rIns="91440" bIns="45720" rtlCol="0" anchor="ctr">
+            <a:normAutofit/>
+          </a:bodyPr>
+          <a:lstStyle>
+            <a:lvl1pPr algn="ctr" defTabSz="342900" rtl="0" eaLnBrk="1" latinLnBrk="0" hangingPunct="1">
+              <a:spcBef>
+                <a:spcPct val="0"/>
+              </a:spcBef>
+              <a:buNone/>
+              <a:defRPr sz="3300" kern="1200">
+                <a:solidFill>
+                  <a:schemeClr val="tx1"/>
+                </a:solidFill>
+                <a:latin typeface="+mj-lt"/>
+                <a:ea typeface="+mj-ea"/>
+                <a:cs typeface="+mj-cs"/>
+              </a:defRPr>
+            </a:lvl1pPr>
+          </a:lstStyle>
+          <a:p>
+            <a:pPr algn="l"/>
+            <a:r>
+              <a:rPr lang="en-IN" sz="2800" dirty="0">
+                <a:solidFill>
+                  <a:schemeClr val="bg1"/>
+                </a:solidFill>
+              </a:rPr>
+              <a:t>NTILE(n):</a:t>
+            </a:r>
+          </a:p>
+        </p:txBody>
+      </p:sp>
+      <p:pic>
+        <p:nvPicPr>
+          <p:cNvPr id="5" name="Picture 4">
+            <a:extLst>
+              <a:ext uri="{FF2B5EF4-FFF2-40B4-BE49-F238E27FC236}">
+                <a16:creationId xmlns:a16="http://schemas.microsoft.com/office/drawing/2014/main" id="{BAE47332-226A-3978-B6DF-ACFA5A2CDF43}"/>
+              </a:ext>
+            </a:extLst>
+          </p:cNvPr>
+          <p:cNvPicPr>
+            <a:picLocks noChangeAspect="1"/>
+          </p:cNvPicPr>
+          <p:nvPr/>
+        </p:nvPicPr>
+        <p:blipFill>
+          <a:blip r:embed="rId2"/>
+          <a:stretch>
+            <a:fillRect/>
+          </a:stretch>
+        </p:blipFill>
+        <p:spPr>
+          <a:xfrm>
+            <a:off x="5763675" y="51792"/>
+            <a:ext cx="3380325" cy="445294"/>
+          </a:xfrm>
+          <a:prstGeom prst="rect">
+            <a:avLst/>
+          </a:prstGeom>
+        </p:spPr>
+      </p:pic>
+      <p:sp>
+        <p:nvSpPr>
+          <p:cNvPr id="6" name="Title 1">
+            <a:extLst>
+              <a:ext uri="{FF2B5EF4-FFF2-40B4-BE49-F238E27FC236}">
+                <a16:creationId xmlns:a16="http://schemas.microsoft.com/office/drawing/2014/main" id="{38DDC306-1D77-2343-0B42-D0F99EFA28D8}"/>
+              </a:ext>
+            </a:extLst>
+          </p:cNvPr>
+          <p:cNvSpPr txBox="1">
+            <a:spLocks/>
+          </p:cNvSpPr>
+          <p:nvPr/>
+        </p:nvSpPr>
+        <p:spPr>
+          <a:xfrm>
+            <a:off x="0" y="4858718"/>
+            <a:ext cx="9144000" cy="284781"/>
+          </a:xfrm>
+          <a:prstGeom prst="rect">
+            <a:avLst/>
+          </a:prstGeom>
+          <a:solidFill>
+            <a:schemeClr val="tx1"/>
+          </a:solidFill>
+        </p:spPr>
+        <p:txBody>
+          <a:bodyPr vert="horz" lIns="91440" tIns="45720" rIns="91440" bIns="45720" rtlCol="0" anchor="ctr">
+            <a:normAutofit/>
+          </a:bodyPr>
+          <a:lstStyle>
+            <a:lvl1pPr algn="ctr" defTabSz="342900" rtl="0" eaLnBrk="1" latinLnBrk="0" hangingPunct="1">
+              <a:spcBef>
+                <a:spcPct val="0"/>
+              </a:spcBef>
+              <a:buNone/>
+              <a:defRPr sz="3300" kern="1200">
+                <a:solidFill>
+                  <a:schemeClr val="tx1"/>
+                </a:solidFill>
+                <a:latin typeface="+mj-lt"/>
+                <a:ea typeface="+mj-ea"/>
+                <a:cs typeface="+mj-cs"/>
+              </a:defRPr>
+            </a:lvl1pPr>
+          </a:lstStyle>
+          <a:p>
+            <a:r>
+              <a:rPr lang="en-IN" sz="1200" dirty="0">
+                <a:solidFill>
+                  <a:schemeClr val="bg1"/>
+                </a:solidFill>
+              </a:rPr>
+              <a:t>(©) tinitiate.com</a:t>
+            </a:r>
+            <a:endParaRPr lang="en-IN" sz="1000" dirty="0">
+              <a:solidFill>
+                <a:schemeClr val="bg1"/>
+              </a:solidFill>
+            </a:endParaRPr>
           </a:p>
         </p:txBody>
       </p:sp>
@@ -5386,31 +6432,6 @@
       </p:grpSpPr>
       <p:sp>
         <p:nvSpPr>
-          <p:cNvPr id="2" name="Title 1"/>
-          <p:cNvSpPr>
-            <a:spLocks noGrp="1"/>
-          </p:cNvSpPr>
-          <p:nvPr>
-            <p:ph type="title"/>
-          </p:nvPr>
-        </p:nvSpPr>
-        <p:spPr/>
-        <p:txBody>
-          <a:bodyPr/>
-          <a:lstStyle/>
-          <a:p>
-            <a:pPr marL="0" lvl="0" indent="0">
-              <a:buNone/>
-            </a:pPr>
-            <a:r>
-              <a:rPr dirty="0"/>
-              <a:t>LAG():</a:t>
-            </a:r>
-          </a:p>
-        </p:txBody>
-      </p:sp>
-      <p:sp>
-        <p:nvSpPr>
           <p:cNvPr id="3" name="Content Placeholder 2"/>
           <p:cNvSpPr>
             <a:spLocks noGrp="1"/>
@@ -5419,7 +6440,12 @@
             <p:ph idx="1"/>
           </p:nvPr>
         </p:nvSpPr>
-        <p:spPr/>
+        <p:spPr>
+          <a:xfrm>
+            <a:off x="457200" y="874514"/>
+            <a:ext cx="8229600" cy="3394472"/>
+          </a:xfrm>
+        </p:spPr>
         <p:txBody>
           <a:bodyPr>
             <a:noAutofit/>
@@ -5868,6 +6894,158 @@
               </a:rPr>
               <a:t>;</a:t>
             </a:r>
+          </a:p>
+        </p:txBody>
+      </p:sp>
+      <p:sp>
+        <p:nvSpPr>
+          <p:cNvPr id="4" name="Title 1">
+            <a:extLst>
+              <a:ext uri="{FF2B5EF4-FFF2-40B4-BE49-F238E27FC236}">
+                <a16:creationId xmlns:a16="http://schemas.microsoft.com/office/drawing/2014/main" id="{ADCCAF98-BEC9-BAFA-A313-91DA36A7F0F4}"/>
+              </a:ext>
+            </a:extLst>
+          </p:cNvPr>
+          <p:cNvSpPr txBox="1">
+            <a:spLocks/>
+          </p:cNvSpPr>
+          <p:nvPr/>
+        </p:nvSpPr>
+        <p:spPr>
+          <a:xfrm>
+            <a:off x="0" y="1"/>
+            <a:ext cx="9144000" cy="548876"/>
+          </a:xfrm>
+          <a:prstGeom prst="rect">
+            <a:avLst/>
+          </a:prstGeom>
+          <a:solidFill>
+            <a:schemeClr val="tx1"/>
+          </a:solidFill>
+        </p:spPr>
+        <p:txBody>
+          <a:bodyPr vert="horz" lIns="91440" tIns="45720" rIns="91440" bIns="45720" rtlCol="0" anchor="ctr">
+            <a:normAutofit/>
+          </a:bodyPr>
+          <a:lstStyle>
+            <a:lvl1pPr algn="ctr" defTabSz="342900" rtl="0" eaLnBrk="1" latinLnBrk="0" hangingPunct="1">
+              <a:spcBef>
+                <a:spcPct val="0"/>
+              </a:spcBef>
+              <a:buNone/>
+              <a:defRPr sz="3300" kern="1200">
+                <a:solidFill>
+                  <a:schemeClr val="tx1"/>
+                </a:solidFill>
+                <a:latin typeface="+mj-lt"/>
+                <a:ea typeface="+mj-ea"/>
+                <a:cs typeface="+mj-cs"/>
+              </a:defRPr>
+            </a:lvl1pPr>
+          </a:lstStyle>
+          <a:p>
+            <a:pPr algn="l"/>
+            <a:r>
+              <a:rPr lang="en-IN" sz="2800" dirty="0">
+                <a:solidFill>
+                  <a:schemeClr val="bg1"/>
+                </a:solidFill>
+              </a:rPr>
+              <a:t>LAG():</a:t>
+            </a:r>
+          </a:p>
+        </p:txBody>
+      </p:sp>
+      <p:pic>
+        <p:nvPicPr>
+          <p:cNvPr id="5" name="Picture 4">
+            <a:extLst>
+              <a:ext uri="{FF2B5EF4-FFF2-40B4-BE49-F238E27FC236}">
+                <a16:creationId xmlns:a16="http://schemas.microsoft.com/office/drawing/2014/main" id="{E4AB2913-2A74-1522-B8DE-933CEA5A74E7}"/>
+              </a:ext>
+            </a:extLst>
+          </p:cNvPr>
+          <p:cNvPicPr>
+            <a:picLocks noChangeAspect="1"/>
+          </p:cNvPicPr>
+          <p:nvPr/>
+        </p:nvPicPr>
+        <p:blipFill>
+          <a:blip r:embed="rId2"/>
+          <a:stretch>
+            <a:fillRect/>
+          </a:stretch>
+        </p:blipFill>
+        <p:spPr>
+          <a:xfrm>
+            <a:off x="5763675" y="51792"/>
+            <a:ext cx="3380325" cy="445294"/>
+          </a:xfrm>
+          <a:prstGeom prst="rect">
+            <a:avLst/>
+          </a:prstGeom>
+        </p:spPr>
+      </p:pic>
+      <p:sp>
+        <p:nvSpPr>
+          <p:cNvPr id="6" name="Title 1">
+            <a:extLst>
+              <a:ext uri="{FF2B5EF4-FFF2-40B4-BE49-F238E27FC236}">
+                <a16:creationId xmlns:a16="http://schemas.microsoft.com/office/drawing/2014/main" id="{55275004-C1D7-5D0B-93E3-029718D81A11}"/>
+              </a:ext>
+            </a:extLst>
+          </p:cNvPr>
+          <p:cNvSpPr txBox="1">
+            <a:spLocks/>
+          </p:cNvSpPr>
+          <p:nvPr/>
+        </p:nvSpPr>
+        <p:spPr>
+          <a:xfrm>
+            <a:off x="0" y="4858718"/>
+            <a:ext cx="9144000" cy="284781"/>
+          </a:xfrm>
+          <a:prstGeom prst="rect">
+            <a:avLst/>
+          </a:prstGeom>
+          <a:solidFill>
+            <a:schemeClr val="tx1"/>
+          </a:solidFill>
+        </p:spPr>
+        <p:txBody>
+          <a:bodyPr vert="horz" lIns="91440" tIns="45720" rIns="91440" bIns="45720" rtlCol="0" anchor="ctr">
+            <a:normAutofit/>
+          </a:bodyPr>
+          <a:lstStyle>
+            <a:lvl1pPr algn="ctr" defTabSz="342900" rtl="0" eaLnBrk="1" latinLnBrk="0" hangingPunct="1">
+              <a:spcBef>
+                <a:spcPct val="0"/>
+              </a:spcBef>
+              <a:buNone/>
+              <a:defRPr sz="3300" kern="1200">
+                <a:solidFill>
+                  <a:schemeClr val="tx1"/>
+                </a:solidFill>
+                <a:latin typeface="+mj-lt"/>
+                <a:ea typeface="+mj-ea"/>
+                <a:cs typeface="+mj-cs"/>
+              </a:defRPr>
+            </a:lvl1pPr>
+          </a:lstStyle>
+          <a:p>
+            <a:r>
+              <a:rPr lang="en-IN" sz="1200" dirty="0">
+                <a:solidFill>
+                  <a:schemeClr val="bg1"/>
+                </a:solidFill>
+              </a:rPr>
+              <a:t>(©) tinitiate.com</a:t>
+            </a:r>
+            <a:endParaRPr lang="en-IN" sz="1000" dirty="0">
+              <a:solidFill>
+                <a:schemeClr val="bg1"/>
+              </a:solidFill>
+            </a:endParaRPr>
           </a:p>
         </p:txBody>
       </p:sp>
@@ -5898,31 +7076,6 @@
       </p:grpSpPr>
       <p:sp>
         <p:nvSpPr>
-          <p:cNvPr id="2" name="Title 1"/>
-          <p:cNvSpPr>
-            <a:spLocks noGrp="1"/>
-          </p:cNvSpPr>
-          <p:nvPr>
-            <p:ph type="title"/>
-          </p:nvPr>
-        </p:nvSpPr>
-        <p:spPr/>
-        <p:txBody>
-          <a:bodyPr/>
-          <a:lstStyle/>
-          <a:p>
-            <a:pPr marL="0" lvl="0" indent="0">
-              <a:buNone/>
-            </a:pPr>
-            <a:r>
-              <a:rPr dirty="0"/>
-              <a:t>LEAD():</a:t>
-            </a:r>
-          </a:p>
-        </p:txBody>
-      </p:sp>
-      <p:sp>
-        <p:nvSpPr>
           <p:cNvPr id="3" name="Content Placeholder 2"/>
           <p:cNvSpPr>
             <a:spLocks noGrp="1"/>
@@ -5931,7 +7084,12 @@
             <p:ph idx="1"/>
           </p:nvPr>
         </p:nvSpPr>
-        <p:spPr/>
+        <p:spPr>
+          <a:xfrm>
+            <a:off x="457200" y="874514"/>
+            <a:ext cx="8229600" cy="3394472"/>
+          </a:xfrm>
+        </p:spPr>
         <p:txBody>
           <a:bodyPr>
             <a:noAutofit/>
@@ -6380,6 +7538,158 @@
               </a:rPr>
               <a:t>;</a:t>
             </a:r>
+          </a:p>
+        </p:txBody>
+      </p:sp>
+      <p:sp>
+        <p:nvSpPr>
+          <p:cNvPr id="4" name="Title 1">
+            <a:extLst>
+              <a:ext uri="{FF2B5EF4-FFF2-40B4-BE49-F238E27FC236}">
+                <a16:creationId xmlns:a16="http://schemas.microsoft.com/office/drawing/2014/main" id="{CEE29FB6-3D2E-DAC6-1CBA-B933AED59291}"/>
+              </a:ext>
+            </a:extLst>
+          </p:cNvPr>
+          <p:cNvSpPr txBox="1">
+            <a:spLocks/>
+          </p:cNvSpPr>
+          <p:nvPr/>
+        </p:nvSpPr>
+        <p:spPr>
+          <a:xfrm>
+            <a:off x="0" y="1"/>
+            <a:ext cx="9144000" cy="548876"/>
+          </a:xfrm>
+          <a:prstGeom prst="rect">
+            <a:avLst/>
+          </a:prstGeom>
+          <a:solidFill>
+            <a:schemeClr val="tx1"/>
+          </a:solidFill>
+        </p:spPr>
+        <p:txBody>
+          <a:bodyPr vert="horz" lIns="91440" tIns="45720" rIns="91440" bIns="45720" rtlCol="0" anchor="ctr">
+            <a:normAutofit/>
+          </a:bodyPr>
+          <a:lstStyle>
+            <a:lvl1pPr algn="ctr" defTabSz="342900" rtl="0" eaLnBrk="1" latinLnBrk="0" hangingPunct="1">
+              <a:spcBef>
+                <a:spcPct val="0"/>
+              </a:spcBef>
+              <a:buNone/>
+              <a:defRPr sz="3300" kern="1200">
+                <a:solidFill>
+                  <a:schemeClr val="tx1"/>
+                </a:solidFill>
+                <a:latin typeface="+mj-lt"/>
+                <a:ea typeface="+mj-ea"/>
+                <a:cs typeface="+mj-cs"/>
+              </a:defRPr>
+            </a:lvl1pPr>
+          </a:lstStyle>
+          <a:p>
+            <a:pPr algn="l"/>
+            <a:r>
+              <a:rPr lang="en-IN" sz="2800" dirty="0">
+                <a:solidFill>
+                  <a:schemeClr val="bg1"/>
+                </a:solidFill>
+              </a:rPr>
+              <a:t>LEAD():</a:t>
+            </a:r>
+          </a:p>
+        </p:txBody>
+      </p:sp>
+      <p:pic>
+        <p:nvPicPr>
+          <p:cNvPr id="5" name="Picture 4">
+            <a:extLst>
+              <a:ext uri="{FF2B5EF4-FFF2-40B4-BE49-F238E27FC236}">
+                <a16:creationId xmlns:a16="http://schemas.microsoft.com/office/drawing/2014/main" id="{1118DE0B-A916-90D6-47BE-5A2EC00513BE}"/>
+              </a:ext>
+            </a:extLst>
+          </p:cNvPr>
+          <p:cNvPicPr>
+            <a:picLocks noChangeAspect="1"/>
+          </p:cNvPicPr>
+          <p:nvPr/>
+        </p:nvPicPr>
+        <p:blipFill>
+          <a:blip r:embed="rId2"/>
+          <a:stretch>
+            <a:fillRect/>
+          </a:stretch>
+        </p:blipFill>
+        <p:spPr>
+          <a:xfrm>
+            <a:off x="5763675" y="51792"/>
+            <a:ext cx="3380325" cy="445294"/>
+          </a:xfrm>
+          <a:prstGeom prst="rect">
+            <a:avLst/>
+          </a:prstGeom>
+        </p:spPr>
+      </p:pic>
+      <p:sp>
+        <p:nvSpPr>
+          <p:cNvPr id="6" name="Title 1">
+            <a:extLst>
+              <a:ext uri="{FF2B5EF4-FFF2-40B4-BE49-F238E27FC236}">
+                <a16:creationId xmlns:a16="http://schemas.microsoft.com/office/drawing/2014/main" id="{E5B2F126-DEAB-2AB7-9DB8-C25DDCFC0A54}"/>
+              </a:ext>
+            </a:extLst>
+          </p:cNvPr>
+          <p:cNvSpPr txBox="1">
+            <a:spLocks/>
+          </p:cNvSpPr>
+          <p:nvPr/>
+        </p:nvSpPr>
+        <p:spPr>
+          <a:xfrm>
+            <a:off x="0" y="4858718"/>
+            <a:ext cx="9144000" cy="284781"/>
+          </a:xfrm>
+          <a:prstGeom prst="rect">
+            <a:avLst/>
+          </a:prstGeom>
+          <a:solidFill>
+            <a:schemeClr val="tx1"/>
+          </a:solidFill>
+        </p:spPr>
+        <p:txBody>
+          <a:bodyPr vert="horz" lIns="91440" tIns="45720" rIns="91440" bIns="45720" rtlCol="0" anchor="ctr">
+            <a:normAutofit/>
+          </a:bodyPr>
+          <a:lstStyle>
+            <a:lvl1pPr algn="ctr" defTabSz="342900" rtl="0" eaLnBrk="1" latinLnBrk="0" hangingPunct="1">
+              <a:spcBef>
+                <a:spcPct val="0"/>
+              </a:spcBef>
+              <a:buNone/>
+              <a:defRPr sz="3300" kern="1200">
+                <a:solidFill>
+                  <a:schemeClr val="tx1"/>
+                </a:solidFill>
+                <a:latin typeface="+mj-lt"/>
+                <a:ea typeface="+mj-ea"/>
+                <a:cs typeface="+mj-cs"/>
+              </a:defRPr>
+            </a:lvl1pPr>
+          </a:lstStyle>
+          <a:p>
+            <a:r>
+              <a:rPr lang="en-IN" sz="1200" dirty="0">
+                <a:solidFill>
+                  <a:schemeClr val="bg1"/>
+                </a:solidFill>
+              </a:rPr>
+              <a:t>(©) tinitiate.com</a:t>
+            </a:r>
+            <a:endParaRPr lang="en-IN" sz="1000" dirty="0">
+              <a:solidFill>
+                <a:schemeClr val="bg1"/>
+              </a:solidFill>
+            </a:endParaRPr>
           </a:p>
         </p:txBody>
       </p:sp>
@@ -6416,37 +7726,6 @@
       </p:grpSpPr>
       <p:sp>
         <p:nvSpPr>
-          <p:cNvPr id="2" name="Title 1">
-            <a:extLst>
-              <a:ext uri="{FF2B5EF4-FFF2-40B4-BE49-F238E27FC236}">
-                <a16:creationId xmlns:a16="http://schemas.microsoft.com/office/drawing/2014/main" id="{5E0DD462-18A6-C902-13CA-9E63E121FCAB}"/>
-              </a:ext>
-            </a:extLst>
-          </p:cNvPr>
-          <p:cNvSpPr>
-            <a:spLocks noGrp="1"/>
-          </p:cNvSpPr>
-          <p:nvPr>
-            <p:ph type="title"/>
-          </p:nvPr>
-        </p:nvSpPr>
-        <p:spPr/>
-        <p:txBody>
-          <a:bodyPr/>
-          <a:lstStyle/>
-          <a:p>
-            <a:pPr marL="0" lvl="0" indent="0">
-              <a:buNone/>
-            </a:pPr>
-            <a:r>
-              <a:rPr dirty="0"/>
-              <a:t>LEAD():</a:t>
-            </a:r>
-          </a:p>
-        </p:txBody>
-      </p:sp>
-      <p:sp>
-        <p:nvSpPr>
           <p:cNvPr id="3" name="Content Placeholder 2">
             <a:extLst>
               <a:ext uri="{FF2B5EF4-FFF2-40B4-BE49-F238E27FC236}">
@@ -6461,7 +7740,12 @@
             <p:ph idx="1"/>
           </p:nvPr>
         </p:nvSpPr>
-        <p:spPr/>
+        <p:spPr>
+          <a:xfrm>
+            <a:off x="457200" y="874514"/>
+            <a:ext cx="8229600" cy="3394472"/>
+          </a:xfrm>
+        </p:spPr>
         <p:txBody>
           <a:bodyPr>
             <a:noAutofit/>
@@ -7283,6 +8567,158 @@
             </a:r>
             <a:endParaRPr sz="1400" dirty="0">
               <a:latin typeface="Courier"/>
+            </a:endParaRPr>
+          </a:p>
+        </p:txBody>
+      </p:sp>
+      <p:sp>
+        <p:nvSpPr>
+          <p:cNvPr id="4" name="Title 1">
+            <a:extLst>
+              <a:ext uri="{FF2B5EF4-FFF2-40B4-BE49-F238E27FC236}">
+                <a16:creationId xmlns:a16="http://schemas.microsoft.com/office/drawing/2014/main" id="{7C36B148-9F13-E2CD-DFF3-19743281DAD4}"/>
+              </a:ext>
+            </a:extLst>
+          </p:cNvPr>
+          <p:cNvSpPr txBox="1">
+            <a:spLocks/>
+          </p:cNvSpPr>
+          <p:nvPr/>
+        </p:nvSpPr>
+        <p:spPr>
+          <a:xfrm>
+            <a:off x="0" y="1"/>
+            <a:ext cx="9144000" cy="548876"/>
+          </a:xfrm>
+          <a:prstGeom prst="rect">
+            <a:avLst/>
+          </a:prstGeom>
+          <a:solidFill>
+            <a:schemeClr val="tx1"/>
+          </a:solidFill>
+        </p:spPr>
+        <p:txBody>
+          <a:bodyPr vert="horz" lIns="91440" tIns="45720" rIns="91440" bIns="45720" rtlCol="0" anchor="ctr">
+            <a:normAutofit/>
+          </a:bodyPr>
+          <a:lstStyle>
+            <a:lvl1pPr algn="ctr" defTabSz="342900" rtl="0" eaLnBrk="1" latinLnBrk="0" hangingPunct="1">
+              <a:spcBef>
+                <a:spcPct val="0"/>
+              </a:spcBef>
+              <a:buNone/>
+              <a:defRPr sz="3300" kern="1200">
+                <a:solidFill>
+                  <a:schemeClr val="tx1"/>
+                </a:solidFill>
+                <a:latin typeface="+mj-lt"/>
+                <a:ea typeface="+mj-ea"/>
+                <a:cs typeface="+mj-cs"/>
+              </a:defRPr>
+            </a:lvl1pPr>
+          </a:lstStyle>
+          <a:p>
+            <a:pPr algn="l"/>
+            <a:r>
+              <a:rPr lang="en-IN" sz="2800" dirty="0">
+                <a:solidFill>
+                  <a:schemeClr val="bg1"/>
+                </a:solidFill>
+              </a:rPr>
+              <a:t>LEAD():</a:t>
+            </a:r>
+          </a:p>
+        </p:txBody>
+      </p:sp>
+      <p:pic>
+        <p:nvPicPr>
+          <p:cNvPr id="5" name="Picture 4">
+            <a:extLst>
+              <a:ext uri="{FF2B5EF4-FFF2-40B4-BE49-F238E27FC236}">
+                <a16:creationId xmlns:a16="http://schemas.microsoft.com/office/drawing/2014/main" id="{8E2DF43F-CE0A-3417-EA52-13F549461E85}"/>
+              </a:ext>
+            </a:extLst>
+          </p:cNvPr>
+          <p:cNvPicPr>
+            <a:picLocks noChangeAspect="1"/>
+          </p:cNvPicPr>
+          <p:nvPr/>
+        </p:nvPicPr>
+        <p:blipFill>
+          <a:blip r:embed="rId2"/>
+          <a:stretch>
+            <a:fillRect/>
+          </a:stretch>
+        </p:blipFill>
+        <p:spPr>
+          <a:xfrm>
+            <a:off x="5763675" y="51792"/>
+            <a:ext cx="3380325" cy="445294"/>
+          </a:xfrm>
+          <a:prstGeom prst="rect">
+            <a:avLst/>
+          </a:prstGeom>
+        </p:spPr>
+      </p:pic>
+      <p:sp>
+        <p:nvSpPr>
+          <p:cNvPr id="6" name="Title 1">
+            <a:extLst>
+              <a:ext uri="{FF2B5EF4-FFF2-40B4-BE49-F238E27FC236}">
+                <a16:creationId xmlns:a16="http://schemas.microsoft.com/office/drawing/2014/main" id="{7A1A15E9-2AB2-1A1A-365E-E4371EC46E3E}"/>
+              </a:ext>
+            </a:extLst>
+          </p:cNvPr>
+          <p:cNvSpPr txBox="1">
+            <a:spLocks/>
+          </p:cNvSpPr>
+          <p:nvPr/>
+        </p:nvSpPr>
+        <p:spPr>
+          <a:xfrm>
+            <a:off x="0" y="4858718"/>
+            <a:ext cx="9144000" cy="284781"/>
+          </a:xfrm>
+          <a:prstGeom prst="rect">
+            <a:avLst/>
+          </a:prstGeom>
+          <a:solidFill>
+            <a:schemeClr val="tx1"/>
+          </a:solidFill>
+        </p:spPr>
+        <p:txBody>
+          <a:bodyPr vert="horz" lIns="91440" tIns="45720" rIns="91440" bIns="45720" rtlCol="0" anchor="ctr">
+            <a:normAutofit/>
+          </a:bodyPr>
+          <a:lstStyle>
+            <a:lvl1pPr algn="ctr" defTabSz="342900" rtl="0" eaLnBrk="1" latinLnBrk="0" hangingPunct="1">
+              <a:spcBef>
+                <a:spcPct val="0"/>
+              </a:spcBef>
+              <a:buNone/>
+              <a:defRPr sz="3300" kern="1200">
+                <a:solidFill>
+                  <a:schemeClr val="tx1"/>
+                </a:solidFill>
+                <a:latin typeface="+mj-lt"/>
+                <a:ea typeface="+mj-ea"/>
+                <a:cs typeface="+mj-cs"/>
+              </a:defRPr>
+            </a:lvl1pPr>
+          </a:lstStyle>
+          <a:p>
+            <a:r>
+              <a:rPr lang="en-IN" sz="1200" dirty="0">
+                <a:solidFill>
+                  <a:schemeClr val="bg1"/>
+                </a:solidFill>
+              </a:rPr>
+              <a:t>(©) tinitiate.com</a:t>
+            </a:r>
+            <a:endParaRPr lang="en-IN" sz="1000" dirty="0">
+              <a:solidFill>
+                <a:schemeClr val="bg1"/>
+              </a:solidFill>
             </a:endParaRPr>
           </a:p>
         </p:txBody>
@@ -7319,31 +8755,6 @@
       </p:grpSpPr>
       <p:sp>
         <p:nvSpPr>
-          <p:cNvPr id="2" name="Title 1"/>
-          <p:cNvSpPr>
-            <a:spLocks noGrp="1"/>
-          </p:cNvSpPr>
-          <p:nvPr>
-            <p:ph type="title"/>
-          </p:nvPr>
-        </p:nvSpPr>
-        <p:spPr/>
-        <p:txBody>
-          <a:bodyPr/>
-          <a:lstStyle/>
-          <a:p>
-            <a:pPr marL="0" lvl="0" indent="0">
-              <a:buNone/>
-            </a:pPr>
-            <a:r>
-              <a:rPr dirty="0"/>
-              <a:t>FIRST_VALUE():</a:t>
-            </a:r>
-          </a:p>
-        </p:txBody>
-      </p:sp>
-      <p:sp>
-        <p:nvSpPr>
           <p:cNvPr id="3" name="Content Placeholder 2"/>
           <p:cNvSpPr>
             <a:spLocks noGrp="1"/>
@@ -7352,7 +8763,12 @@
             <p:ph idx="1"/>
           </p:nvPr>
         </p:nvSpPr>
-        <p:spPr/>
+        <p:spPr>
+          <a:xfrm>
+            <a:off x="457200" y="874514"/>
+            <a:ext cx="8229600" cy="3394472"/>
+          </a:xfrm>
+        </p:spPr>
         <p:txBody>
           <a:bodyPr>
             <a:noAutofit/>
@@ -7960,6 +9376,158 @@
               </a:rPr>
               <a:t>;</a:t>
             </a:r>
+          </a:p>
+        </p:txBody>
+      </p:sp>
+      <p:sp>
+        <p:nvSpPr>
+          <p:cNvPr id="4" name="Title 1">
+            <a:extLst>
+              <a:ext uri="{FF2B5EF4-FFF2-40B4-BE49-F238E27FC236}">
+                <a16:creationId xmlns:a16="http://schemas.microsoft.com/office/drawing/2014/main" id="{D2C25DB3-79EF-C5FE-B58F-63FA53EA14C5}"/>
+              </a:ext>
+            </a:extLst>
+          </p:cNvPr>
+          <p:cNvSpPr txBox="1">
+            <a:spLocks/>
+          </p:cNvSpPr>
+          <p:nvPr/>
+        </p:nvSpPr>
+        <p:spPr>
+          <a:xfrm>
+            <a:off x="0" y="1"/>
+            <a:ext cx="9144000" cy="548876"/>
+          </a:xfrm>
+          <a:prstGeom prst="rect">
+            <a:avLst/>
+          </a:prstGeom>
+          <a:solidFill>
+            <a:schemeClr val="tx1"/>
+          </a:solidFill>
+        </p:spPr>
+        <p:txBody>
+          <a:bodyPr vert="horz" lIns="91440" tIns="45720" rIns="91440" bIns="45720" rtlCol="0" anchor="ctr">
+            <a:normAutofit/>
+          </a:bodyPr>
+          <a:lstStyle>
+            <a:lvl1pPr algn="ctr" defTabSz="342900" rtl="0" eaLnBrk="1" latinLnBrk="0" hangingPunct="1">
+              <a:spcBef>
+                <a:spcPct val="0"/>
+              </a:spcBef>
+              <a:buNone/>
+              <a:defRPr sz="3300" kern="1200">
+                <a:solidFill>
+                  <a:schemeClr val="tx1"/>
+                </a:solidFill>
+                <a:latin typeface="+mj-lt"/>
+                <a:ea typeface="+mj-ea"/>
+                <a:cs typeface="+mj-cs"/>
+              </a:defRPr>
+            </a:lvl1pPr>
+          </a:lstStyle>
+          <a:p>
+            <a:pPr algn="l"/>
+            <a:r>
+              <a:rPr lang="en-IN" sz="2800" dirty="0">
+                <a:solidFill>
+                  <a:schemeClr val="bg1"/>
+                </a:solidFill>
+              </a:rPr>
+              <a:t>FIRST_VALUE():</a:t>
+            </a:r>
+          </a:p>
+        </p:txBody>
+      </p:sp>
+      <p:pic>
+        <p:nvPicPr>
+          <p:cNvPr id="5" name="Picture 4">
+            <a:extLst>
+              <a:ext uri="{FF2B5EF4-FFF2-40B4-BE49-F238E27FC236}">
+                <a16:creationId xmlns:a16="http://schemas.microsoft.com/office/drawing/2014/main" id="{79F5BB98-641F-7C67-4E66-5A61E9BD3F68}"/>
+              </a:ext>
+            </a:extLst>
+          </p:cNvPr>
+          <p:cNvPicPr>
+            <a:picLocks noChangeAspect="1"/>
+          </p:cNvPicPr>
+          <p:nvPr/>
+        </p:nvPicPr>
+        <p:blipFill>
+          <a:blip r:embed="rId2"/>
+          <a:stretch>
+            <a:fillRect/>
+          </a:stretch>
+        </p:blipFill>
+        <p:spPr>
+          <a:xfrm>
+            <a:off x="5763675" y="51792"/>
+            <a:ext cx="3380325" cy="445294"/>
+          </a:xfrm>
+          <a:prstGeom prst="rect">
+            <a:avLst/>
+          </a:prstGeom>
+        </p:spPr>
+      </p:pic>
+      <p:sp>
+        <p:nvSpPr>
+          <p:cNvPr id="6" name="Title 1">
+            <a:extLst>
+              <a:ext uri="{FF2B5EF4-FFF2-40B4-BE49-F238E27FC236}">
+                <a16:creationId xmlns:a16="http://schemas.microsoft.com/office/drawing/2014/main" id="{0B154BC6-3EB8-6A3B-3797-9DD5B66DA884}"/>
+              </a:ext>
+            </a:extLst>
+          </p:cNvPr>
+          <p:cNvSpPr txBox="1">
+            <a:spLocks/>
+          </p:cNvSpPr>
+          <p:nvPr/>
+        </p:nvSpPr>
+        <p:spPr>
+          <a:xfrm>
+            <a:off x="0" y="4858718"/>
+            <a:ext cx="9144000" cy="284781"/>
+          </a:xfrm>
+          <a:prstGeom prst="rect">
+            <a:avLst/>
+          </a:prstGeom>
+          <a:solidFill>
+            <a:schemeClr val="tx1"/>
+          </a:solidFill>
+        </p:spPr>
+        <p:txBody>
+          <a:bodyPr vert="horz" lIns="91440" tIns="45720" rIns="91440" bIns="45720" rtlCol="0" anchor="ctr">
+            <a:normAutofit/>
+          </a:bodyPr>
+          <a:lstStyle>
+            <a:lvl1pPr algn="ctr" defTabSz="342900" rtl="0" eaLnBrk="1" latinLnBrk="0" hangingPunct="1">
+              <a:spcBef>
+                <a:spcPct val="0"/>
+              </a:spcBef>
+              <a:buNone/>
+              <a:defRPr sz="3300" kern="1200">
+                <a:solidFill>
+                  <a:schemeClr val="tx1"/>
+                </a:solidFill>
+                <a:latin typeface="+mj-lt"/>
+                <a:ea typeface="+mj-ea"/>
+                <a:cs typeface="+mj-cs"/>
+              </a:defRPr>
+            </a:lvl1pPr>
+          </a:lstStyle>
+          <a:p>
+            <a:r>
+              <a:rPr lang="en-IN" sz="1200" dirty="0">
+                <a:solidFill>
+                  <a:schemeClr val="bg1"/>
+                </a:solidFill>
+              </a:rPr>
+              <a:t>(©) tinitiate.com</a:t>
+            </a:r>
+            <a:endParaRPr lang="en-IN" sz="1000" dirty="0">
+              <a:solidFill>
+                <a:schemeClr val="bg1"/>
+              </a:solidFill>
+            </a:endParaRPr>
           </a:p>
         </p:txBody>
       </p:sp>
@@ -7990,31 +9558,6 @@
       </p:grpSpPr>
       <p:sp>
         <p:nvSpPr>
-          <p:cNvPr id="2" name="Title 1"/>
-          <p:cNvSpPr>
-            <a:spLocks noGrp="1"/>
-          </p:cNvSpPr>
-          <p:nvPr>
-            <p:ph type="title"/>
-          </p:nvPr>
-        </p:nvSpPr>
-        <p:spPr/>
-        <p:txBody>
-          <a:bodyPr/>
-          <a:lstStyle/>
-          <a:p>
-            <a:pPr marL="0" lvl="0" indent="0">
-              <a:buNone/>
-            </a:pPr>
-            <a:r>
-              <a:rPr dirty="0"/>
-              <a:t>LAST_VALUE():</a:t>
-            </a:r>
-          </a:p>
-        </p:txBody>
-      </p:sp>
-      <p:sp>
-        <p:nvSpPr>
           <p:cNvPr id="3" name="Content Placeholder 2"/>
           <p:cNvSpPr>
             <a:spLocks noGrp="1"/>
@@ -8023,7 +9566,12 @@
             <p:ph idx="1"/>
           </p:nvPr>
         </p:nvSpPr>
-        <p:spPr/>
+        <p:spPr>
+          <a:xfrm>
+            <a:off x="457200" y="874514"/>
+            <a:ext cx="8229600" cy="3394472"/>
+          </a:xfrm>
+        </p:spPr>
         <p:txBody>
           <a:bodyPr>
             <a:noAutofit/>
@@ -8787,6 +10335,158 @@
               </a:rPr>
               <a:t>;</a:t>
             </a:r>
+          </a:p>
+        </p:txBody>
+      </p:sp>
+      <p:sp>
+        <p:nvSpPr>
+          <p:cNvPr id="4" name="Title 1">
+            <a:extLst>
+              <a:ext uri="{FF2B5EF4-FFF2-40B4-BE49-F238E27FC236}">
+                <a16:creationId xmlns:a16="http://schemas.microsoft.com/office/drawing/2014/main" id="{3E5793C5-3063-5D5B-EE34-9D6A689587A4}"/>
+              </a:ext>
+            </a:extLst>
+          </p:cNvPr>
+          <p:cNvSpPr txBox="1">
+            <a:spLocks/>
+          </p:cNvSpPr>
+          <p:nvPr/>
+        </p:nvSpPr>
+        <p:spPr>
+          <a:xfrm>
+            <a:off x="0" y="1"/>
+            <a:ext cx="9144000" cy="548876"/>
+          </a:xfrm>
+          <a:prstGeom prst="rect">
+            <a:avLst/>
+          </a:prstGeom>
+          <a:solidFill>
+            <a:schemeClr val="tx1"/>
+          </a:solidFill>
+        </p:spPr>
+        <p:txBody>
+          <a:bodyPr vert="horz" lIns="91440" tIns="45720" rIns="91440" bIns="45720" rtlCol="0" anchor="ctr">
+            <a:normAutofit/>
+          </a:bodyPr>
+          <a:lstStyle>
+            <a:lvl1pPr algn="ctr" defTabSz="342900" rtl="0" eaLnBrk="1" latinLnBrk="0" hangingPunct="1">
+              <a:spcBef>
+                <a:spcPct val="0"/>
+              </a:spcBef>
+              <a:buNone/>
+              <a:defRPr sz="3300" kern="1200">
+                <a:solidFill>
+                  <a:schemeClr val="tx1"/>
+                </a:solidFill>
+                <a:latin typeface="+mj-lt"/>
+                <a:ea typeface="+mj-ea"/>
+                <a:cs typeface="+mj-cs"/>
+              </a:defRPr>
+            </a:lvl1pPr>
+          </a:lstStyle>
+          <a:p>
+            <a:pPr algn="l"/>
+            <a:r>
+              <a:rPr lang="en-IN" sz="2800" dirty="0">
+                <a:solidFill>
+                  <a:schemeClr val="bg1"/>
+                </a:solidFill>
+              </a:rPr>
+              <a:t>LAST_VALUE():</a:t>
+            </a:r>
+          </a:p>
+        </p:txBody>
+      </p:sp>
+      <p:pic>
+        <p:nvPicPr>
+          <p:cNvPr id="5" name="Picture 4">
+            <a:extLst>
+              <a:ext uri="{FF2B5EF4-FFF2-40B4-BE49-F238E27FC236}">
+                <a16:creationId xmlns:a16="http://schemas.microsoft.com/office/drawing/2014/main" id="{6BDFEDDA-1158-83A4-1098-7B9D6CC4902F}"/>
+              </a:ext>
+            </a:extLst>
+          </p:cNvPr>
+          <p:cNvPicPr>
+            <a:picLocks noChangeAspect="1"/>
+          </p:cNvPicPr>
+          <p:nvPr/>
+        </p:nvPicPr>
+        <p:blipFill>
+          <a:blip r:embed="rId2"/>
+          <a:stretch>
+            <a:fillRect/>
+          </a:stretch>
+        </p:blipFill>
+        <p:spPr>
+          <a:xfrm>
+            <a:off x="5763675" y="51792"/>
+            <a:ext cx="3380325" cy="445294"/>
+          </a:xfrm>
+          <a:prstGeom prst="rect">
+            <a:avLst/>
+          </a:prstGeom>
+        </p:spPr>
+      </p:pic>
+      <p:sp>
+        <p:nvSpPr>
+          <p:cNvPr id="6" name="Title 1">
+            <a:extLst>
+              <a:ext uri="{FF2B5EF4-FFF2-40B4-BE49-F238E27FC236}">
+                <a16:creationId xmlns:a16="http://schemas.microsoft.com/office/drawing/2014/main" id="{3B8D7309-166E-E84B-F900-4E0BDB144864}"/>
+              </a:ext>
+            </a:extLst>
+          </p:cNvPr>
+          <p:cNvSpPr txBox="1">
+            <a:spLocks/>
+          </p:cNvSpPr>
+          <p:nvPr/>
+        </p:nvSpPr>
+        <p:spPr>
+          <a:xfrm>
+            <a:off x="0" y="4858718"/>
+            <a:ext cx="9144000" cy="284781"/>
+          </a:xfrm>
+          <a:prstGeom prst="rect">
+            <a:avLst/>
+          </a:prstGeom>
+          <a:solidFill>
+            <a:schemeClr val="tx1"/>
+          </a:solidFill>
+        </p:spPr>
+        <p:txBody>
+          <a:bodyPr vert="horz" lIns="91440" tIns="45720" rIns="91440" bIns="45720" rtlCol="0" anchor="ctr">
+            <a:normAutofit/>
+          </a:bodyPr>
+          <a:lstStyle>
+            <a:lvl1pPr algn="ctr" defTabSz="342900" rtl="0" eaLnBrk="1" latinLnBrk="0" hangingPunct="1">
+              <a:spcBef>
+                <a:spcPct val="0"/>
+              </a:spcBef>
+              <a:buNone/>
+              <a:defRPr sz="3300" kern="1200">
+                <a:solidFill>
+                  <a:schemeClr val="tx1"/>
+                </a:solidFill>
+                <a:latin typeface="+mj-lt"/>
+                <a:ea typeface="+mj-ea"/>
+                <a:cs typeface="+mj-cs"/>
+              </a:defRPr>
+            </a:lvl1pPr>
+          </a:lstStyle>
+          <a:p>
+            <a:r>
+              <a:rPr lang="en-IN" sz="1200" dirty="0">
+                <a:solidFill>
+                  <a:schemeClr val="bg1"/>
+                </a:solidFill>
+              </a:rPr>
+              <a:t>(©) tinitiate.com</a:t>
+            </a:r>
+            <a:endParaRPr lang="en-IN" sz="1000" dirty="0">
+              <a:solidFill>
+                <a:schemeClr val="bg1"/>
+              </a:solidFill>
+            </a:endParaRPr>
           </a:p>
         </p:txBody>
       </p:sp>
@@ -8823,37 +10523,6 @@
       </p:grpSpPr>
       <p:sp>
         <p:nvSpPr>
-          <p:cNvPr id="2" name="Title 1">
-            <a:extLst>
-              <a:ext uri="{FF2B5EF4-FFF2-40B4-BE49-F238E27FC236}">
-                <a16:creationId xmlns:a16="http://schemas.microsoft.com/office/drawing/2014/main" id="{4601346B-0AA3-10D9-33F0-1FF226ADDE60}"/>
-              </a:ext>
-            </a:extLst>
-          </p:cNvPr>
-          <p:cNvSpPr>
-            <a:spLocks noGrp="1"/>
-          </p:cNvSpPr>
-          <p:nvPr>
-            <p:ph type="title"/>
-          </p:nvPr>
-        </p:nvSpPr>
-        <p:spPr/>
-        <p:txBody>
-          <a:bodyPr/>
-          <a:lstStyle/>
-          <a:p>
-            <a:pPr marL="0" lvl="0" indent="0">
-              <a:buNone/>
-            </a:pPr>
-            <a:r>
-              <a:rPr dirty="0"/>
-              <a:t>LAST_VALUE():</a:t>
-            </a:r>
-          </a:p>
-        </p:txBody>
-      </p:sp>
-      <p:sp>
-        <p:nvSpPr>
           <p:cNvPr id="3" name="Content Placeholder 2">
             <a:extLst>
               <a:ext uri="{FF2B5EF4-FFF2-40B4-BE49-F238E27FC236}">
@@ -8868,7 +10537,12 @@
             <p:ph idx="1"/>
           </p:nvPr>
         </p:nvSpPr>
-        <p:spPr/>
+        <p:spPr>
+          <a:xfrm>
+            <a:off x="457200" y="874514"/>
+            <a:ext cx="8229600" cy="3394472"/>
+          </a:xfrm>
+        </p:spPr>
         <p:txBody>
           <a:bodyPr>
             <a:noAutofit/>
@@ -9475,6 +11149,158 @@
               </a:rPr>
               <a:t>;</a:t>
             </a:r>
+          </a:p>
+        </p:txBody>
+      </p:sp>
+      <p:sp>
+        <p:nvSpPr>
+          <p:cNvPr id="4" name="Title 1">
+            <a:extLst>
+              <a:ext uri="{FF2B5EF4-FFF2-40B4-BE49-F238E27FC236}">
+                <a16:creationId xmlns:a16="http://schemas.microsoft.com/office/drawing/2014/main" id="{067E34C9-D2A8-4595-5593-A4967D42DC1D}"/>
+              </a:ext>
+            </a:extLst>
+          </p:cNvPr>
+          <p:cNvSpPr txBox="1">
+            <a:spLocks/>
+          </p:cNvSpPr>
+          <p:nvPr/>
+        </p:nvSpPr>
+        <p:spPr>
+          <a:xfrm>
+            <a:off x="0" y="1"/>
+            <a:ext cx="9144000" cy="548876"/>
+          </a:xfrm>
+          <a:prstGeom prst="rect">
+            <a:avLst/>
+          </a:prstGeom>
+          <a:solidFill>
+            <a:schemeClr val="tx1"/>
+          </a:solidFill>
+        </p:spPr>
+        <p:txBody>
+          <a:bodyPr vert="horz" lIns="91440" tIns="45720" rIns="91440" bIns="45720" rtlCol="0" anchor="ctr">
+            <a:normAutofit/>
+          </a:bodyPr>
+          <a:lstStyle>
+            <a:lvl1pPr algn="ctr" defTabSz="342900" rtl="0" eaLnBrk="1" latinLnBrk="0" hangingPunct="1">
+              <a:spcBef>
+                <a:spcPct val="0"/>
+              </a:spcBef>
+              <a:buNone/>
+              <a:defRPr sz="3300" kern="1200">
+                <a:solidFill>
+                  <a:schemeClr val="tx1"/>
+                </a:solidFill>
+                <a:latin typeface="+mj-lt"/>
+                <a:ea typeface="+mj-ea"/>
+                <a:cs typeface="+mj-cs"/>
+              </a:defRPr>
+            </a:lvl1pPr>
+          </a:lstStyle>
+          <a:p>
+            <a:pPr algn="l"/>
+            <a:r>
+              <a:rPr lang="en-IN" sz="2800" dirty="0">
+                <a:solidFill>
+                  <a:schemeClr val="bg1"/>
+                </a:solidFill>
+              </a:rPr>
+              <a:t>LAST_VALUE():</a:t>
+            </a:r>
+          </a:p>
+        </p:txBody>
+      </p:sp>
+      <p:pic>
+        <p:nvPicPr>
+          <p:cNvPr id="5" name="Picture 4">
+            <a:extLst>
+              <a:ext uri="{FF2B5EF4-FFF2-40B4-BE49-F238E27FC236}">
+                <a16:creationId xmlns:a16="http://schemas.microsoft.com/office/drawing/2014/main" id="{4B46EB81-EB21-5B2E-BFAE-ECCABA5326BC}"/>
+              </a:ext>
+            </a:extLst>
+          </p:cNvPr>
+          <p:cNvPicPr>
+            <a:picLocks noChangeAspect="1"/>
+          </p:cNvPicPr>
+          <p:nvPr/>
+        </p:nvPicPr>
+        <p:blipFill>
+          <a:blip r:embed="rId2"/>
+          <a:stretch>
+            <a:fillRect/>
+          </a:stretch>
+        </p:blipFill>
+        <p:spPr>
+          <a:xfrm>
+            <a:off x="5763675" y="51792"/>
+            <a:ext cx="3380325" cy="445294"/>
+          </a:xfrm>
+          <a:prstGeom prst="rect">
+            <a:avLst/>
+          </a:prstGeom>
+        </p:spPr>
+      </p:pic>
+      <p:sp>
+        <p:nvSpPr>
+          <p:cNvPr id="6" name="Title 1">
+            <a:extLst>
+              <a:ext uri="{FF2B5EF4-FFF2-40B4-BE49-F238E27FC236}">
+                <a16:creationId xmlns:a16="http://schemas.microsoft.com/office/drawing/2014/main" id="{2C4CFBC0-05F2-F038-7570-CEF71D367041}"/>
+              </a:ext>
+            </a:extLst>
+          </p:cNvPr>
+          <p:cNvSpPr txBox="1">
+            <a:spLocks/>
+          </p:cNvSpPr>
+          <p:nvPr/>
+        </p:nvSpPr>
+        <p:spPr>
+          <a:xfrm>
+            <a:off x="0" y="4858718"/>
+            <a:ext cx="9144000" cy="284781"/>
+          </a:xfrm>
+          <a:prstGeom prst="rect">
+            <a:avLst/>
+          </a:prstGeom>
+          <a:solidFill>
+            <a:schemeClr val="tx1"/>
+          </a:solidFill>
+        </p:spPr>
+        <p:txBody>
+          <a:bodyPr vert="horz" lIns="91440" tIns="45720" rIns="91440" bIns="45720" rtlCol="0" anchor="ctr">
+            <a:normAutofit/>
+          </a:bodyPr>
+          <a:lstStyle>
+            <a:lvl1pPr algn="ctr" defTabSz="342900" rtl="0" eaLnBrk="1" latinLnBrk="0" hangingPunct="1">
+              <a:spcBef>
+                <a:spcPct val="0"/>
+              </a:spcBef>
+              <a:buNone/>
+              <a:defRPr sz="3300" kern="1200">
+                <a:solidFill>
+                  <a:schemeClr val="tx1"/>
+                </a:solidFill>
+                <a:latin typeface="+mj-lt"/>
+                <a:ea typeface="+mj-ea"/>
+                <a:cs typeface="+mj-cs"/>
+              </a:defRPr>
+            </a:lvl1pPr>
+          </a:lstStyle>
+          <a:p>
+            <a:r>
+              <a:rPr lang="en-IN" sz="1200" dirty="0">
+                <a:solidFill>
+                  <a:schemeClr val="bg1"/>
+                </a:solidFill>
+              </a:rPr>
+              <a:t>(©) tinitiate.com</a:t>
+            </a:r>
+            <a:endParaRPr lang="en-IN" sz="1000" dirty="0">
+              <a:solidFill>
+                <a:schemeClr val="bg1"/>
+              </a:solidFill>
+            </a:endParaRPr>
           </a:p>
         </p:txBody>
       </p:sp>
@@ -9510,31 +11336,6 @@
       </p:grpSpPr>
       <p:sp>
         <p:nvSpPr>
-          <p:cNvPr id="2" name="Title 1"/>
-          <p:cNvSpPr>
-            <a:spLocks noGrp="1"/>
-          </p:cNvSpPr>
-          <p:nvPr>
-            <p:ph type="title"/>
-          </p:nvPr>
-        </p:nvSpPr>
-        <p:spPr/>
-        <p:txBody>
-          <a:bodyPr/>
-          <a:lstStyle/>
-          <a:p>
-            <a:pPr marL="0" lvl="0" indent="0">
-              <a:buNone/>
-            </a:pPr>
-            <a:r>
-              <a:rPr dirty="0"/>
-              <a:t>DQL - Analytical Functions</a:t>
-            </a:r>
-          </a:p>
-        </p:txBody>
-      </p:sp>
-      <p:sp>
-        <p:nvSpPr>
           <p:cNvPr id="3" name="Content Placeholder 2"/>
           <p:cNvSpPr>
             <a:spLocks noGrp="1"/>
@@ -9543,7 +11344,12 @@
             <p:ph idx="1"/>
           </p:nvPr>
         </p:nvSpPr>
-        <p:spPr/>
+        <p:spPr>
+          <a:xfrm>
+            <a:off x="457200" y="874514"/>
+            <a:ext cx="8229600" cy="3394472"/>
+          </a:xfrm>
+        </p:spPr>
         <p:txBody>
           <a:bodyPr>
             <a:noAutofit/>
@@ -9576,6 +11382,158 @@
               <a:rPr sz="1800" dirty="0"/>
               <a:t>The OVER clause can include ‘PARTITION BY’ or ‘ORDER BY’ specifications to control the behavior of the window function.</a:t>
             </a:r>
+          </a:p>
+        </p:txBody>
+      </p:sp>
+      <p:sp>
+        <p:nvSpPr>
+          <p:cNvPr id="4" name="Title 1">
+            <a:extLst>
+              <a:ext uri="{FF2B5EF4-FFF2-40B4-BE49-F238E27FC236}">
+                <a16:creationId xmlns:a16="http://schemas.microsoft.com/office/drawing/2014/main" id="{602F81BD-0FD7-7AE3-4D2A-3FC3D084A860}"/>
+              </a:ext>
+            </a:extLst>
+          </p:cNvPr>
+          <p:cNvSpPr txBox="1">
+            <a:spLocks/>
+          </p:cNvSpPr>
+          <p:nvPr/>
+        </p:nvSpPr>
+        <p:spPr>
+          <a:xfrm>
+            <a:off x="0" y="1"/>
+            <a:ext cx="9144000" cy="548876"/>
+          </a:xfrm>
+          <a:prstGeom prst="rect">
+            <a:avLst/>
+          </a:prstGeom>
+          <a:solidFill>
+            <a:schemeClr val="tx1"/>
+          </a:solidFill>
+        </p:spPr>
+        <p:txBody>
+          <a:bodyPr vert="horz" lIns="91440" tIns="45720" rIns="91440" bIns="45720" rtlCol="0" anchor="ctr">
+            <a:normAutofit/>
+          </a:bodyPr>
+          <a:lstStyle>
+            <a:lvl1pPr algn="ctr" defTabSz="342900" rtl="0" eaLnBrk="1" latinLnBrk="0" hangingPunct="1">
+              <a:spcBef>
+                <a:spcPct val="0"/>
+              </a:spcBef>
+              <a:buNone/>
+              <a:defRPr sz="3300" kern="1200">
+                <a:solidFill>
+                  <a:schemeClr val="tx1"/>
+                </a:solidFill>
+                <a:latin typeface="+mj-lt"/>
+                <a:ea typeface="+mj-ea"/>
+                <a:cs typeface="+mj-cs"/>
+              </a:defRPr>
+            </a:lvl1pPr>
+          </a:lstStyle>
+          <a:p>
+            <a:pPr algn="l"/>
+            <a:r>
+              <a:rPr lang="en-IN" sz="2800" dirty="0">
+                <a:solidFill>
+                  <a:schemeClr val="bg1"/>
+                </a:solidFill>
+              </a:rPr>
+              <a:t>DQL - Analytical Functions</a:t>
+            </a:r>
+          </a:p>
+        </p:txBody>
+      </p:sp>
+      <p:pic>
+        <p:nvPicPr>
+          <p:cNvPr id="5" name="Picture 4">
+            <a:extLst>
+              <a:ext uri="{FF2B5EF4-FFF2-40B4-BE49-F238E27FC236}">
+                <a16:creationId xmlns:a16="http://schemas.microsoft.com/office/drawing/2014/main" id="{ECC86F8A-0769-B47B-9BC7-7D19DEB27200}"/>
+              </a:ext>
+            </a:extLst>
+          </p:cNvPr>
+          <p:cNvPicPr>
+            <a:picLocks noChangeAspect="1"/>
+          </p:cNvPicPr>
+          <p:nvPr/>
+        </p:nvPicPr>
+        <p:blipFill>
+          <a:blip r:embed="rId2"/>
+          <a:stretch>
+            <a:fillRect/>
+          </a:stretch>
+        </p:blipFill>
+        <p:spPr>
+          <a:xfrm>
+            <a:off x="5763675" y="51792"/>
+            <a:ext cx="3380325" cy="445294"/>
+          </a:xfrm>
+          <a:prstGeom prst="rect">
+            <a:avLst/>
+          </a:prstGeom>
+        </p:spPr>
+      </p:pic>
+      <p:sp>
+        <p:nvSpPr>
+          <p:cNvPr id="6" name="Title 1">
+            <a:extLst>
+              <a:ext uri="{FF2B5EF4-FFF2-40B4-BE49-F238E27FC236}">
+                <a16:creationId xmlns:a16="http://schemas.microsoft.com/office/drawing/2014/main" id="{50068A7F-31AA-1E26-A0A3-A51B45A52FF9}"/>
+              </a:ext>
+            </a:extLst>
+          </p:cNvPr>
+          <p:cNvSpPr txBox="1">
+            <a:spLocks/>
+          </p:cNvSpPr>
+          <p:nvPr/>
+        </p:nvSpPr>
+        <p:spPr>
+          <a:xfrm>
+            <a:off x="0" y="4858718"/>
+            <a:ext cx="9144000" cy="284781"/>
+          </a:xfrm>
+          <a:prstGeom prst="rect">
+            <a:avLst/>
+          </a:prstGeom>
+          <a:solidFill>
+            <a:schemeClr val="tx1"/>
+          </a:solidFill>
+        </p:spPr>
+        <p:txBody>
+          <a:bodyPr vert="horz" lIns="91440" tIns="45720" rIns="91440" bIns="45720" rtlCol="0" anchor="ctr">
+            <a:normAutofit/>
+          </a:bodyPr>
+          <a:lstStyle>
+            <a:lvl1pPr algn="ctr" defTabSz="342900" rtl="0" eaLnBrk="1" latinLnBrk="0" hangingPunct="1">
+              <a:spcBef>
+                <a:spcPct val="0"/>
+              </a:spcBef>
+              <a:buNone/>
+              <a:defRPr sz="3300" kern="1200">
+                <a:solidFill>
+                  <a:schemeClr val="tx1"/>
+                </a:solidFill>
+                <a:latin typeface="+mj-lt"/>
+                <a:ea typeface="+mj-ea"/>
+                <a:cs typeface="+mj-cs"/>
+              </a:defRPr>
+            </a:lvl1pPr>
+          </a:lstStyle>
+          <a:p>
+            <a:r>
+              <a:rPr lang="en-IN" sz="1200" dirty="0">
+                <a:solidFill>
+                  <a:schemeClr val="bg1"/>
+                </a:solidFill>
+              </a:rPr>
+              <a:t>(©) tinitiate.com</a:t>
+            </a:r>
+            <a:endParaRPr lang="en-IN" sz="1000" dirty="0">
+              <a:solidFill>
+                <a:schemeClr val="bg1"/>
+              </a:solidFill>
+            </a:endParaRPr>
           </a:p>
         </p:txBody>
       </p:sp>
@@ -9612,37 +11570,6 @@
       </p:grpSpPr>
       <p:sp>
         <p:nvSpPr>
-          <p:cNvPr id="2" name="Title 1">
-            <a:extLst>
-              <a:ext uri="{FF2B5EF4-FFF2-40B4-BE49-F238E27FC236}">
-                <a16:creationId xmlns:a16="http://schemas.microsoft.com/office/drawing/2014/main" id="{7D7AE347-1947-308F-C98A-41331271933C}"/>
-              </a:ext>
-            </a:extLst>
-          </p:cNvPr>
-          <p:cNvSpPr>
-            <a:spLocks noGrp="1"/>
-          </p:cNvSpPr>
-          <p:nvPr>
-            <p:ph type="title"/>
-          </p:nvPr>
-        </p:nvSpPr>
-        <p:spPr/>
-        <p:txBody>
-          <a:bodyPr/>
-          <a:lstStyle/>
-          <a:p>
-            <a:pPr marL="0" lvl="0" indent="0">
-              <a:buNone/>
-            </a:pPr>
-            <a:r>
-              <a:rPr dirty="0"/>
-              <a:t>DQL - Analytical Functions</a:t>
-            </a:r>
-          </a:p>
-        </p:txBody>
-      </p:sp>
-      <p:sp>
-        <p:nvSpPr>
           <p:cNvPr id="3" name="Content Placeholder 2">
             <a:extLst>
               <a:ext uri="{FF2B5EF4-FFF2-40B4-BE49-F238E27FC236}">
@@ -9657,7 +11584,12 @@
             <p:ph idx="1"/>
           </p:nvPr>
         </p:nvSpPr>
-        <p:spPr/>
+        <p:spPr>
+          <a:xfrm>
+            <a:off x="457200" y="874514"/>
+            <a:ext cx="8229600" cy="3394472"/>
+          </a:xfrm>
+        </p:spPr>
         <p:txBody>
           <a:bodyPr>
             <a:noAutofit/>
@@ -9683,6 +11615,158 @@
               <a:rPr sz="1800" dirty="0"/>
               <a:t>For some analytical functions ‘PARTITION BY’ clause must be used including ‘ORDER BY’ clause.</a:t>
             </a:r>
+          </a:p>
+        </p:txBody>
+      </p:sp>
+      <p:sp>
+        <p:nvSpPr>
+          <p:cNvPr id="4" name="Title 1">
+            <a:extLst>
+              <a:ext uri="{FF2B5EF4-FFF2-40B4-BE49-F238E27FC236}">
+                <a16:creationId xmlns:a16="http://schemas.microsoft.com/office/drawing/2014/main" id="{F1C5FDB1-A6C5-668B-9E19-E9B6E8FE6012}"/>
+              </a:ext>
+            </a:extLst>
+          </p:cNvPr>
+          <p:cNvSpPr txBox="1">
+            <a:spLocks/>
+          </p:cNvSpPr>
+          <p:nvPr/>
+        </p:nvSpPr>
+        <p:spPr>
+          <a:xfrm>
+            <a:off x="0" y="1"/>
+            <a:ext cx="9144000" cy="548876"/>
+          </a:xfrm>
+          <a:prstGeom prst="rect">
+            <a:avLst/>
+          </a:prstGeom>
+          <a:solidFill>
+            <a:schemeClr val="tx1"/>
+          </a:solidFill>
+        </p:spPr>
+        <p:txBody>
+          <a:bodyPr vert="horz" lIns="91440" tIns="45720" rIns="91440" bIns="45720" rtlCol="0" anchor="ctr">
+            <a:normAutofit/>
+          </a:bodyPr>
+          <a:lstStyle>
+            <a:lvl1pPr algn="ctr" defTabSz="342900" rtl="0" eaLnBrk="1" latinLnBrk="0" hangingPunct="1">
+              <a:spcBef>
+                <a:spcPct val="0"/>
+              </a:spcBef>
+              <a:buNone/>
+              <a:defRPr sz="3300" kern="1200">
+                <a:solidFill>
+                  <a:schemeClr val="tx1"/>
+                </a:solidFill>
+                <a:latin typeface="+mj-lt"/>
+                <a:ea typeface="+mj-ea"/>
+                <a:cs typeface="+mj-cs"/>
+              </a:defRPr>
+            </a:lvl1pPr>
+          </a:lstStyle>
+          <a:p>
+            <a:pPr algn="l"/>
+            <a:r>
+              <a:rPr lang="en-IN" sz="2800" dirty="0">
+                <a:solidFill>
+                  <a:schemeClr val="bg1"/>
+                </a:solidFill>
+              </a:rPr>
+              <a:t>DQL - Analytical Functions</a:t>
+            </a:r>
+          </a:p>
+        </p:txBody>
+      </p:sp>
+      <p:pic>
+        <p:nvPicPr>
+          <p:cNvPr id="5" name="Picture 4">
+            <a:extLst>
+              <a:ext uri="{FF2B5EF4-FFF2-40B4-BE49-F238E27FC236}">
+                <a16:creationId xmlns:a16="http://schemas.microsoft.com/office/drawing/2014/main" id="{FD1F84E7-D950-E867-9DF0-743BDEBFFAD4}"/>
+              </a:ext>
+            </a:extLst>
+          </p:cNvPr>
+          <p:cNvPicPr>
+            <a:picLocks noChangeAspect="1"/>
+          </p:cNvPicPr>
+          <p:nvPr/>
+        </p:nvPicPr>
+        <p:blipFill>
+          <a:blip r:embed="rId2"/>
+          <a:stretch>
+            <a:fillRect/>
+          </a:stretch>
+        </p:blipFill>
+        <p:spPr>
+          <a:xfrm>
+            <a:off x="5763675" y="51792"/>
+            <a:ext cx="3380325" cy="445294"/>
+          </a:xfrm>
+          <a:prstGeom prst="rect">
+            <a:avLst/>
+          </a:prstGeom>
+        </p:spPr>
+      </p:pic>
+      <p:sp>
+        <p:nvSpPr>
+          <p:cNvPr id="6" name="Title 1">
+            <a:extLst>
+              <a:ext uri="{FF2B5EF4-FFF2-40B4-BE49-F238E27FC236}">
+                <a16:creationId xmlns:a16="http://schemas.microsoft.com/office/drawing/2014/main" id="{2A7B6B37-4C71-9027-B20E-2B1834E57BE4}"/>
+              </a:ext>
+            </a:extLst>
+          </p:cNvPr>
+          <p:cNvSpPr txBox="1">
+            <a:spLocks/>
+          </p:cNvSpPr>
+          <p:nvPr/>
+        </p:nvSpPr>
+        <p:spPr>
+          <a:xfrm>
+            <a:off x="0" y="4858718"/>
+            <a:ext cx="9144000" cy="284781"/>
+          </a:xfrm>
+          <a:prstGeom prst="rect">
+            <a:avLst/>
+          </a:prstGeom>
+          <a:solidFill>
+            <a:schemeClr val="tx1"/>
+          </a:solidFill>
+        </p:spPr>
+        <p:txBody>
+          <a:bodyPr vert="horz" lIns="91440" tIns="45720" rIns="91440" bIns="45720" rtlCol="0" anchor="ctr">
+            <a:normAutofit/>
+          </a:bodyPr>
+          <a:lstStyle>
+            <a:lvl1pPr algn="ctr" defTabSz="342900" rtl="0" eaLnBrk="1" latinLnBrk="0" hangingPunct="1">
+              <a:spcBef>
+                <a:spcPct val="0"/>
+              </a:spcBef>
+              <a:buNone/>
+              <a:defRPr sz="3300" kern="1200">
+                <a:solidFill>
+                  <a:schemeClr val="tx1"/>
+                </a:solidFill>
+                <a:latin typeface="+mj-lt"/>
+                <a:ea typeface="+mj-ea"/>
+                <a:cs typeface="+mj-cs"/>
+              </a:defRPr>
+            </a:lvl1pPr>
+          </a:lstStyle>
+          <a:p>
+            <a:r>
+              <a:rPr lang="en-IN" sz="1200" dirty="0">
+                <a:solidFill>
+                  <a:schemeClr val="bg1"/>
+                </a:solidFill>
+              </a:rPr>
+              <a:t>(©) tinitiate.com</a:t>
+            </a:r>
+            <a:endParaRPr lang="en-IN" sz="1000" dirty="0">
+              <a:solidFill>
+                <a:schemeClr val="bg1"/>
+              </a:solidFill>
+            </a:endParaRPr>
           </a:p>
         </p:txBody>
       </p:sp>
@@ -9718,31 +11802,6 @@
       </p:grpSpPr>
       <p:sp>
         <p:nvSpPr>
-          <p:cNvPr id="2" name="Title 1"/>
-          <p:cNvSpPr>
-            <a:spLocks noGrp="1"/>
-          </p:cNvSpPr>
-          <p:nvPr>
-            <p:ph type="title"/>
-          </p:nvPr>
-        </p:nvSpPr>
-        <p:spPr/>
-        <p:txBody>
-          <a:bodyPr/>
-          <a:lstStyle/>
-          <a:p>
-            <a:pPr marL="0" lvl="0" indent="0">
-              <a:buNone/>
-            </a:pPr>
-            <a:r>
-              <a:rPr dirty="0"/>
-              <a:t>Aggregate Functions:</a:t>
-            </a:r>
-          </a:p>
-        </p:txBody>
-      </p:sp>
-      <p:sp>
-        <p:nvSpPr>
           <p:cNvPr id="3" name="Content Placeholder 2"/>
           <p:cNvSpPr>
             <a:spLocks noGrp="1"/>
@@ -9751,7 +11810,12 @@
             <p:ph idx="1"/>
           </p:nvPr>
         </p:nvSpPr>
-        <p:spPr/>
+        <p:spPr>
+          <a:xfrm>
+            <a:off x="457200" y="874514"/>
+            <a:ext cx="8229600" cy="3394472"/>
+          </a:xfrm>
+        </p:spPr>
         <p:txBody>
           <a:bodyPr>
             <a:noAutofit/>
@@ -10161,6 +12225,158 @@
               </a:rPr>
               <a:t>;</a:t>
             </a:r>
+          </a:p>
+        </p:txBody>
+      </p:sp>
+      <p:sp>
+        <p:nvSpPr>
+          <p:cNvPr id="4" name="Title 1">
+            <a:extLst>
+              <a:ext uri="{FF2B5EF4-FFF2-40B4-BE49-F238E27FC236}">
+                <a16:creationId xmlns:a16="http://schemas.microsoft.com/office/drawing/2014/main" id="{7896C94D-1132-1BFC-4B35-D6B271301963}"/>
+              </a:ext>
+            </a:extLst>
+          </p:cNvPr>
+          <p:cNvSpPr txBox="1">
+            <a:spLocks/>
+          </p:cNvSpPr>
+          <p:nvPr/>
+        </p:nvSpPr>
+        <p:spPr>
+          <a:xfrm>
+            <a:off x="0" y="1"/>
+            <a:ext cx="9144000" cy="548876"/>
+          </a:xfrm>
+          <a:prstGeom prst="rect">
+            <a:avLst/>
+          </a:prstGeom>
+          <a:solidFill>
+            <a:schemeClr val="tx1"/>
+          </a:solidFill>
+        </p:spPr>
+        <p:txBody>
+          <a:bodyPr vert="horz" lIns="91440" tIns="45720" rIns="91440" bIns="45720" rtlCol="0" anchor="ctr">
+            <a:normAutofit/>
+          </a:bodyPr>
+          <a:lstStyle>
+            <a:lvl1pPr algn="ctr" defTabSz="342900" rtl="0" eaLnBrk="1" latinLnBrk="0" hangingPunct="1">
+              <a:spcBef>
+                <a:spcPct val="0"/>
+              </a:spcBef>
+              <a:buNone/>
+              <a:defRPr sz="3300" kern="1200">
+                <a:solidFill>
+                  <a:schemeClr val="tx1"/>
+                </a:solidFill>
+                <a:latin typeface="+mj-lt"/>
+                <a:ea typeface="+mj-ea"/>
+                <a:cs typeface="+mj-cs"/>
+              </a:defRPr>
+            </a:lvl1pPr>
+          </a:lstStyle>
+          <a:p>
+            <a:pPr algn="l"/>
+            <a:r>
+              <a:rPr lang="en-IN" sz="2800" dirty="0">
+                <a:solidFill>
+                  <a:schemeClr val="bg1"/>
+                </a:solidFill>
+              </a:rPr>
+              <a:t>Aggregate Functions:</a:t>
+            </a:r>
+          </a:p>
+        </p:txBody>
+      </p:sp>
+      <p:pic>
+        <p:nvPicPr>
+          <p:cNvPr id="5" name="Picture 4">
+            <a:extLst>
+              <a:ext uri="{FF2B5EF4-FFF2-40B4-BE49-F238E27FC236}">
+                <a16:creationId xmlns:a16="http://schemas.microsoft.com/office/drawing/2014/main" id="{4EE00146-9496-47B4-0C5B-5F364F70F04B}"/>
+              </a:ext>
+            </a:extLst>
+          </p:cNvPr>
+          <p:cNvPicPr>
+            <a:picLocks noChangeAspect="1"/>
+          </p:cNvPicPr>
+          <p:nvPr/>
+        </p:nvPicPr>
+        <p:blipFill>
+          <a:blip r:embed="rId2"/>
+          <a:stretch>
+            <a:fillRect/>
+          </a:stretch>
+        </p:blipFill>
+        <p:spPr>
+          <a:xfrm>
+            <a:off x="5763675" y="51792"/>
+            <a:ext cx="3380325" cy="445294"/>
+          </a:xfrm>
+          <a:prstGeom prst="rect">
+            <a:avLst/>
+          </a:prstGeom>
+        </p:spPr>
+      </p:pic>
+      <p:sp>
+        <p:nvSpPr>
+          <p:cNvPr id="6" name="Title 1">
+            <a:extLst>
+              <a:ext uri="{FF2B5EF4-FFF2-40B4-BE49-F238E27FC236}">
+                <a16:creationId xmlns:a16="http://schemas.microsoft.com/office/drawing/2014/main" id="{857B1758-DE38-4EF1-2600-FC4ED7229F96}"/>
+              </a:ext>
+            </a:extLst>
+          </p:cNvPr>
+          <p:cNvSpPr txBox="1">
+            <a:spLocks/>
+          </p:cNvSpPr>
+          <p:nvPr/>
+        </p:nvSpPr>
+        <p:spPr>
+          <a:xfrm>
+            <a:off x="0" y="4858718"/>
+            <a:ext cx="9144000" cy="284781"/>
+          </a:xfrm>
+          <a:prstGeom prst="rect">
+            <a:avLst/>
+          </a:prstGeom>
+          <a:solidFill>
+            <a:schemeClr val="tx1"/>
+          </a:solidFill>
+        </p:spPr>
+        <p:txBody>
+          <a:bodyPr vert="horz" lIns="91440" tIns="45720" rIns="91440" bIns="45720" rtlCol="0" anchor="ctr">
+            <a:normAutofit/>
+          </a:bodyPr>
+          <a:lstStyle>
+            <a:lvl1pPr algn="ctr" defTabSz="342900" rtl="0" eaLnBrk="1" latinLnBrk="0" hangingPunct="1">
+              <a:spcBef>
+                <a:spcPct val="0"/>
+              </a:spcBef>
+              <a:buNone/>
+              <a:defRPr sz="3300" kern="1200">
+                <a:solidFill>
+                  <a:schemeClr val="tx1"/>
+                </a:solidFill>
+                <a:latin typeface="+mj-lt"/>
+                <a:ea typeface="+mj-ea"/>
+                <a:cs typeface="+mj-cs"/>
+              </a:defRPr>
+            </a:lvl1pPr>
+          </a:lstStyle>
+          <a:p>
+            <a:r>
+              <a:rPr lang="en-IN" sz="1200" dirty="0">
+                <a:solidFill>
+                  <a:schemeClr val="bg1"/>
+                </a:solidFill>
+              </a:rPr>
+              <a:t>(©) tinitiate.com</a:t>
+            </a:r>
+            <a:endParaRPr lang="en-IN" sz="1000" dirty="0">
+              <a:solidFill>
+                <a:schemeClr val="bg1"/>
+              </a:solidFill>
+            </a:endParaRPr>
           </a:p>
         </p:txBody>
       </p:sp>
@@ -10197,37 +12413,6 @@
       </p:grpSpPr>
       <p:sp>
         <p:nvSpPr>
-          <p:cNvPr id="2" name="Title 1">
-            <a:extLst>
-              <a:ext uri="{FF2B5EF4-FFF2-40B4-BE49-F238E27FC236}">
-                <a16:creationId xmlns:a16="http://schemas.microsoft.com/office/drawing/2014/main" id="{759B037C-9EB2-7A6A-F9F7-42AF97D82652}"/>
-              </a:ext>
-            </a:extLst>
-          </p:cNvPr>
-          <p:cNvSpPr>
-            <a:spLocks noGrp="1"/>
-          </p:cNvSpPr>
-          <p:nvPr>
-            <p:ph type="title"/>
-          </p:nvPr>
-        </p:nvSpPr>
-        <p:spPr/>
-        <p:txBody>
-          <a:bodyPr/>
-          <a:lstStyle/>
-          <a:p>
-            <a:pPr marL="0" lvl="0" indent="0">
-              <a:buNone/>
-            </a:pPr>
-            <a:r>
-              <a:rPr dirty="0"/>
-              <a:t>Aggregate Functions:</a:t>
-            </a:r>
-          </a:p>
-        </p:txBody>
-      </p:sp>
-      <p:sp>
-        <p:nvSpPr>
           <p:cNvPr id="3" name="Content Placeholder 2">
             <a:extLst>
               <a:ext uri="{FF2B5EF4-FFF2-40B4-BE49-F238E27FC236}">
@@ -10242,7 +12427,12 @@
             <p:ph idx="1"/>
           </p:nvPr>
         </p:nvSpPr>
-        <p:spPr/>
+        <p:spPr>
+          <a:xfrm>
+            <a:off x="457200" y="874514"/>
+            <a:ext cx="8229600" cy="3394472"/>
+          </a:xfrm>
+        </p:spPr>
         <p:txBody>
           <a:bodyPr>
             <a:noAutofit/>
@@ -10963,6 +13153,158 @@
               </a:rPr>
               <a:t> e;</a:t>
             </a:r>
+          </a:p>
+        </p:txBody>
+      </p:sp>
+      <p:sp>
+        <p:nvSpPr>
+          <p:cNvPr id="4" name="Title 1">
+            <a:extLst>
+              <a:ext uri="{FF2B5EF4-FFF2-40B4-BE49-F238E27FC236}">
+                <a16:creationId xmlns:a16="http://schemas.microsoft.com/office/drawing/2014/main" id="{722FAC3B-26A8-04A1-3F5F-EAC4C2B5DCC5}"/>
+              </a:ext>
+            </a:extLst>
+          </p:cNvPr>
+          <p:cNvSpPr txBox="1">
+            <a:spLocks/>
+          </p:cNvSpPr>
+          <p:nvPr/>
+        </p:nvSpPr>
+        <p:spPr>
+          <a:xfrm>
+            <a:off x="0" y="1"/>
+            <a:ext cx="9144000" cy="548876"/>
+          </a:xfrm>
+          <a:prstGeom prst="rect">
+            <a:avLst/>
+          </a:prstGeom>
+          <a:solidFill>
+            <a:schemeClr val="tx1"/>
+          </a:solidFill>
+        </p:spPr>
+        <p:txBody>
+          <a:bodyPr vert="horz" lIns="91440" tIns="45720" rIns="91440" bIns="45720" rtlCol="0" anchor="ctr">
+            <a:normAutofit/>
+          </a:bodyPr>
+          <a:lstStyle>
+            <a:lvl1pPr algn="ctr" defTabSz="342900" rtl="0" eaLnBrk="1" latinLnBrk="0" hangingPunct="1">
+              <a:spcBef>
+                <a:spcPct val="0"/>
+              </a:spcBef>
+              <a:buNone/>
+              <a:defRPr sz="3300" kern="1200">
+                <a:solidFill>
+                  <a:schemeClr val="tx1"/>
+                </a:solidFill>
+                <a:latin typeface="+mj-lt"/>
+                <a:ea typeface="+mj-ea"/>
+                <a:cs typeface="+mj-cs"/>
+              </a:defRPr>
+            </a:lvl1pPr>
+          </a:lstStyle>
+          <a:p>
+            <a:pPr algn="l"/>
+            <a:r>
+              <a:rPr lang="en-IN" sz="2800" dirty="0">
+                <a:solidFill>
+                  <a:schemeClr val="bg1"/>
+                </a:solidFill>
+              </a:rPr>
+              <a:t>Aggregate Functions:</a:t>
+            </a:r>
+          </a:p>
+        </p:txBody>
+      </p:sp>
+      <p:pic>
+        <p:nvPicPr>
+          <p:cNvPr id="5" name="Picture 4">
+            <a:extLst>
+              <a:ext uri="{FF2B5EF4-FFF2-40B4-BE49-F238E27FC236}">
+                <a16:creationId xmlns:a16="http://schemas.microsoft.com/office/drawing/2014/main" id="{84BB0018-7DAE-5029-F4D5-F4EF4BF9774B}"/>
+              </a:ext>
+            </a:extLst>
+          </p:cNvPr>
+          <p:cNvPicPr>
+            <a:picLocks noChangeAspect="1"/>
+          </p:cNvPicPr>
+          <p:nvPr/>
+        </p:nvPicPr>
+        <p:blipFill>
+          <a:blip r:embed="rId2"/>
+          <a:stretch>
+            <a:fillRect/>
+          </a:stretch>
+        </p:blipFill>
+        <p:spPr>
+          <a:xfrm>
+            <a:off x="5763675" y="51792"/>
+            <a:ext cx="3380325" cy="445294"/>
+          </a:xfrm>
+          <a:prstGeom prst="rect">
+            <a:avLst/>
+          </a:prstGeom>
+        </p:spPr>
+      </p:pic>
+      <p:sp>
+        <p:nvSpPr>
+          <p:cNvPr id="6" name="Title 1">
+            <a:extLst>
+              <a:ext uri="{FF2B5EF4-FFF2-40B4-BE49-F238E27FC236}">
+                <a16:creationId xmlns:a16="http://schemas.microsoft.com/office/drawing/2014/main" id="{48F018FF-1109-76C3-8955-520BBBFEE636}"/>
+              </a:ext>
+            </a:extLst>
+          </p:cNvPr>
+          <p:cNvSpPr txBox="1">
+            <a:spLocks/>
+          </p:cNvSpPr>
+          <p:nvPr/>
+        </p:nvSpPr>
+        <p:spPr>
+          <a:xfrm>
+            <a:off x="0" y="4858718"/>
+            <a:ext cx="9144000" cy="284781"/>
+          </a:xfrm>
+          <a:prstGeom prst="rect">
+            <a:avLst/>
+          </a:prstGeom>
+          <a:solidFill>
+            <a:schemeClr val="tx1"/>
+          </a:solidFill>
+        </p:spPr>
+        <p:txBody>
+          <a:bodyPr vert="horz" lIns="91440" tIns="45720" rIns="91440" bIns="45720" rtlCol="0" anchor="ctr">
+            <a:normAutofit/>
+          </a:bodyPr>
+          <a:lstStyle>
+            <a:lvl1pPr algn="ctr" defTabSz="342900" rtl="0" eaLnBrk="1" latinLnBrk="0" hangingPunct="1">
+              <a:spcBef>
+                <a:spcPct val="0"/>
+              </a:spcBef>
+              <a:buNone/>
+              <a:defRPr sz="3300" kern="1200">
+                <a:solidFill>
+                  <a:schemeClr val="tx1"/>
+                </a:solidFill>
+                <a:latin typeface="+mj-lt"/>
+                <a:ea typeface="+mj-ea"/>
+                <a:cs typeface="+mj-cs"/>
+              </a:defRPr>
+            </a:lvl1pPr>
+          </a:lstStyle>
+          <a:p>
+            <a:r>
+              <a:rPr lang="en-IN" sz="1200" dirty="0">
+                <a:solidFill>
+                  <a:schemeClr val="bg1"/>
+                </a:solidFill>
+              </a:rPr>
+              <a:t>(©) tinitiate.com</a:t>
+            </a:r>
+            <a:endParaRPr lang="en-IN" sz="1000" dirty="0">
+              <a:solidFill>
+                <a:schemeClr val="bg1"/>
+              </a:solidFill>
+            </a:endParaRPr>
           </a:p>
         </p:txBody>
       </p:sp>
@@ -10998,31 +13340,6 @@
       </p:grpSpPr>
       <p:sp>
         <p:nvSpPr>
-          <p:cNvPr id="2" name="Title 1"/>
-          <p:cNvSpPr>
-            <a:spLocks noGrp="1"/>
-          </p:cNvSpPr>
-          <p:nvPr>
-            <p:ph type="title"/>
-          </p:nvPr>
-        </p:nvSpPr>
-        <p:spPr/>
-        <p:txBody>
-          <a:bodyPr/>
-          <a:lstStyle/>
-          <a:p>
-            <a:pPr marL="0" lvl="0" indent="0">
-              <a:buNone/>
-            </a:pPr>
-            <a:r>
-              <a:rPr dirty="0"/>
-              <a:t>ROW_NUMBER():</a:t>
-            </a:r>
-          </a:p>
-        </p:txBody>
-      </p:sp>
-      <p:sp>
-        <p:nvSpPr>
           <p:cNvPr id="3" name="Content Placeholder 2"/>
           <p:cNvSpPr>
             <a:spLocks noGrp="1"/>
@@ -11031,7 +13348,12 @@
             <p:ph idx="1"/>
           </p:nvPr>
         </p:nvSpPr>
-        <p:spPr/>
+        <p:spPr>
+          <a:xfrm>
+            <a:off x="457200" y="874514"/>
+            <a:ext cx="8229600" cy="3394472"/>
+          </a:xfrm>
+        </p:spPr>
         <p:txBody>
           <a:bodyPr>
             <a:noAutofit/>
@@ -11720,6 +14042,158 @@
               </a:rPr>
               <a:t>;</a:t>
             </a:r>
+          </a:p>
+        </p:txBody>
+      </p:sp>
+      <p:sp>
+        <p:nvSpPr>
+          <p:cNvPr id="4" name="Title 1">
+            <a:extLst>
+              <a:ext uri="{FF2B5EF4-FFF2-40B4-BE49-F238E27FC236}">
+                <a16:creationId xmlns:a16="http://schemas.microsoft.com/office/drawing/2014/main" id="{D4F38575-268A-3080-2733-AE58356DEFA0}"/>
+              </a:ext>
+            </a:extLst>
+          </p:cNvPr>
+          <p:cNvSpPr txBox="1">
+            <a:spLocks/>
+          </p:cNvSpPr>
+          <p:nvPr/>
+        </p:nvSpPr>
+        <p:spPr>
+          <a:xfrm>
+            <a:off x="0" y="1"/>
+            <a:ext cx="9144000" cy="548876"/>
+          </a:xfrm>
+          <a:prstGeom prst="rect">
+            <a:avLst/>
+          </a:prstGeom>
+          <a:solidFill>
+            <a:schemeClr val="tx1"/>
+          </a:solidFill>
+        </p:spPr>
+        <p:txBody>
+          <a:bodyPr vert="horz" lIns="91440" tIns="45720" rIns="91440" bIns="45720" rtlCol="0" anchor="ctr">
+            <a:normAutofit/>
+          </a:bodyPr>
+          <a:lstStyle>
+            <a:lvl1pPr algn="ctr" defTabSz="342900" rtl="0" eaLnBrk="1" latinLnBrk="0" hangingPunct="1">
+              <a:spcBef>
+                <a:spcPct val="0"/>
+              </a:spcBef>
+              <a:buNone/>
+              <a:defRPr sz="3300" kern="1200">
+                <a:solidFill>
+                  <a:schemeClr val="tx1"/>
+                </a:solidFill>
+                <a:latin typeface="+mj-lt"/>
+                <a:ea typeface="+mj-ea"/>
+                <a:cs typeface="+mj-cs"/>
+              </a:defRPr>
+            </a:lvl1pPr>
+          </a:lstStyle>
+          <a:p>
+            <a:pPr algn="l"/>
+            <a:r>
+              <a:rPr lang="en-IN" sz="2800" dirty="0">
+                <a:solidFill>
+                  <a:schemeClr val="bg1"/>
+                </a:solidFill>
+              </a:rPr>
+              <a:t>ROW_NUMBER():</a:t>
+            </a:r>
+          </a:p>
+        </p:txBody>
+      </p:sp>
+      <p:pic>
+        <p:nvPicPr>
+          <p:cNvPr id="5" name="Picture 4">
+            <a:extLst>
+              <a:ext uri="{FF2B5EF4-FFF2-40B4-BE49-F238E27FC236}">
+                <a16:creationId xmlns:a16="http://schemas.microsoft.com/office/drawing/2014/main" id="{37079B80-FB29-7647-BDC7-5620670C5E1E}"/>
+              </a:ext>
+            </a:extLst>
+          </p:cNvPr>
+          <p:cNvPicPr>
+            <a:picLocks noChangeAspect="1"/>
+          </p:cNvPicPr>
+          <p:nvPr/>
+        </p:nvPicPr>
+        <p:blipFill>
+          <a:blip r:embed="rId2"/>
+          <a:stretch>
+            <a:fillRect/>
+          </a:stretch>
+        </p:blipFill>
+        <p:spPr>
+          <a:xfrm>
+            <a:off x="5763675" y="51792"/>
+            <a:ext cx="3380325" cy="445294"/>
+          </a:xfrm>
+          <a:prstGeom prst="rect">
+            <a:avLst/>
+          </a:prstGeom>
+        </p:spPr>
+      </p:pic>
+      <p:sp>
+        <p:nvSpPr>
+          <p:cNvPr id="6" name="Title 1">
+            <a:extLst>
+              <a:ext uri="{FF2B5EF4-FFF2-40B4-BE49-F238E27FC236}">
+                <a16:creationId xmlns:a16="http://schemas.microsoft.com/office/drawing/2014/main" id="{545800F3-2875-FD09-31A9-433A6CBD7263}"/>
+              </a:ext>
+            </a:extLst>
+          </p:cNvPr>
+          <p:cNvSpPr txBox="1">
+            <a:spLocks/>
+          </p:cNvSpPr>
+          <p:nvPr/>
+        </p:nvSpPr>
+        <p:spPr>
+          <a:xfrm>
+            <a:off x="0" y="4858718"/>
+            <a:ext cx="9144000" cy="284781"/>
+          </a:xfrm>
+          <a:prstGeom prst="rect">
+            <a:avLst/>
+          </a:prstGeom>
+          <a:solidFill>
+            <a:schemeClr val="tx1"/>
+          </a:solidFill>
+        </p:spPr>
+        <p:txBody>
+          <a:bodyPr vert="horz" lIns="91440" tIns="45720" rIns="91440" bIns="45720" rtlCol="0" anchor="ctr">
+            <a:normAutofit/>
+          </a:bodyPr>
+          <a:lstStyle>
+            <a:lvl1pPr algn="ctr" defTabSz="342900" rtl="0" eaLnBrk="1" latinLnBrk="0" hangingPunct="1">
+              <a:spcBef>
+                <a:spcPct val="0"/>
+              </a:spcBef>
+              <a:buNone/>
+              <a:defRPr sz="3300" kern="1200">
+                <a:solidFill>
+                  <a:schemeClr val="tx1"/>
+                </a:solidFill>
+                <a:latin typeface="+mj-lt"/>
+                <a:ea typeface="+mj-ea"/>
+                <a:cs typeface="+mj-cs"/>
+              </a:defRPr>
+            </a:lvl1pPr>
+          </a:lstStyle>
+          <a:p>
+            <a:r>
+              <a:rPr lang="en-IN" sz="1200" dirty="0">
+                <a:solidFill>
+                  <a:schemeClr val="bg1"/>
+                </a:solidFill>
+              </a:rPr>
+              <a:t>(©) tinitiate.com</a:t>
+            </a:r>
+            <a:endParaRPr lang="en-IN" sz="1000" dirty="0">
+              <a:solidFill>
+                <a:schemeClr val="bg1"/>
+              </a:solidFill>
+            </a:endParaRPr>
           </a:p>
         </p:txBody>
       </p:sp>
@@ -11756,37 +14230,6 @@
       </p:grpSpPr>
       <p:sp>
         <p:nvSpPr>
-          <p:cNvPr id="2" name="Title 1">
-            <a:extLst>
-              <a:ext uri="{FF2B5EF4-FFF2-40B4-BE49-F238E27FC236}">
-                <a16:creationId xmlns:a16="http://schemas.microsoft.com/office/drawing/2014/main" id="{C8162B26-A03E-73CC-0EF4-D66223471BCA}"/>
-              </a:ext>
-            </a:extLst>
-          </p:cNvPr>
-          <p:cNvSpPr>
-            <a:spLocks noGrp="1"/>
-          </p:cNvSpPr>
-          <p:nvPr>
-            <p:ph type="title"/>
-          </p:nvPr>
-        </p:nvSpPr>
-        <p:spPr/>
-        <p:txBody>
-          <a:bodyPr/>
-          <a:lstStyle/>
-          <a:p>
-            <a:pPr marL="0" lvl="0" indent="0">
-              <a:buNone/>
-            </a:pPr>
-            <a:r>
-              <a:rPr dirty="0"/>
-              <a:t>ROW_NUMBER():</a:t>
-            </a:r>
-          </a:p>
-        </p:txBody>
-      </p:sp>
-      <p:sp>
-        <p:nvSpPr>
           <p:cNvPr id="3" name="Content Placeholder 2">
             <a:extLst>
               <a:ext uri="{FF2B5EF4-FFF2-40B4-BE49-F238E27FC236}">
@@ -11801,7 +14244,12 @@
             <p:ph idx="1"/>
           </p:nvPr>
         </p:nvSpPr>
-        <p:spPr/>
+        <p:spPr>
+          <a:xfrm>
+            <a:off x="457200" y="874514"/>
+            <a:ext cx="8229600" cy="3394472"/>
+          </a:xfrm>
+        </p:spPr>
         <p:txBody>
           <a:bodyPr>
             <a:noAutofit/>
@@ -12677,6 +15125,158 @@
             </a:r>
             <a:endParaRPr sz="1400" dirty="0">
               <a:latin typeface="Courier"/>
+            </a:endParaRPr>
+          </a:p>
+        </p:txBody>
+      </p:sp>
+      <p:sp>
+        <p:nvSpPr>
+          <p:cNvPr id="4" name="Title 1">
+            <a:extLst>
+              <a:ext uri="{FF2B5EF4-FFF2-40B4-BE49-F238E27FC236}">
+                <a16:creationId xmlns:a16="http://schemas.microsoft.com/office/drawing/2014/main" id="{4F41AD37-DB82-7576-D616-E47631FA579A}"/>
+              </a:ext>
+            </a:extLst>
+          </p:cNvPr>
+          <p:cNvSpPr txBox="1">
+            <a:spLocks/>
+          </p:cNvSpPr>
+          <p:nvPr/>
+        </p:nvSpPr>
+        <p:spPr>
+          <a:xfrm>
+            <a:off x="0" y="1"/>
+            <a:ext cx="9144000" cy="548876"/>
+          </a:xfrm>
+          <a:prstGeom prst="rect">
+            <a:avLst/>
+          </a:prstGeom>
+          <a:solidFill>
+            <a:schemeClr val="tx1"/>
+          </a:solidFill>
+        </p:spPr>
+        <p:txBody>
+          <a:bodyPr vert="horz" lIns="91440" tIns="45720" rIns="91440" bIns="45720" rtlCol="0" anchor="ctr">
+            <a:normAutofit/>
+          </a:bodyPr>
+          <a:lstStyle>
+            <a:lvl1pPr algn="ctr" defTabSz="342900" rtl="0" eaLnBrk="1" latinLnBrk="0" hangingPunct="1">
+              <a:spcBef>
+                <a:spcPct val="0"/>
+              </a:spcBef>
+              <a:buNone/>
+              <a:defRPr sz="3300" kern="1200">
+                <a:solidFill>
+                  <a:schemeClr val="tx1"/>
+                </a:solidFill>
+                <a:latin typeface="+mj-lt"/>
+                <a:ea typeface="+mj-ea"/>
+                <a:cs typeface="+mj-cs"/>
+              </a:defRPr>
+            </a:lvl1pPr>
+          </a:lstStyle>
+          <a:p>
+            <a:pPr algn="l"/>
+            <a:r>
+              <a:rPr lang="en-IN" sz="2800" dirty="0">
+                <a:solidFill>
+                  <a:schemeClr val="bg1"/>
+                </a:solidFill>
+              </a:rPr>
+              <a:t>ROW_NUMBER():</a:t>
+            </a:r>
+          </a:p>
+        </p:txBody>
+      </p:sp>
+      <p:pic>
+        <p:nvPicPr>
+          <p:cNvPr id="5" name="Picture 4">
+            <a:extLst>
+              <a:ext uri="{FF2B5EF4-FFF2-40B4-BE49-F238E27FC236}">
+                <a16:creationId xmlns:a16="http://schemas.microsoft.com/office/drawing/2014/main" id="{346BB8B6-1F76-18DB-BD10-EC710C4C4343}"/>
+              </a:ext>
+            </a:extLst>
+          </p:cNvPr>
+          <p:cNvPicPr>
+            <a:picLocks noChangeAspect="1"/>
+          </p:cNvPicPr>
+          <p:nvPr/>
+        </p:nvPicPr>
+        <p:blipFill>
+          <a:blip r:embed="rId2"/>
+          <a:stretch>
+            <a:fillRect/>
+          </a:stretch>
+        </p:blipFill>
+        <p:spPr>
+          <a:xfrm>
+            <a:off x="5763675" y="51792"/>
+            <a:ext cx="3380325" cy="445294"/>
+          </a:xfrm>
+          <a:prstGeom prst="rect">
+            <a:avLst/>
+          </a:prstGeom>
+        </p:spPr>
+      </p:pic>
+      <p:sp>
+        <p:nvSpPr>
+          <p:cNvPr id="6" name="Title 1">
+            <a:extLst>
+              <a:ext uri="{FF2B5EF4-FFF2-40B4-BE49-F238E27FC236}">
+                <a16:creationId xmlns:a16="http://schemas.microsoft.com/office/drawing/2014/main" id="{0D4B29DD-1B7A-6DA8-0151-4780CD6AD3C8}"/>
+              </a:ext>
+            </a:extLst>
+          </p:cNvPr>
+          <p:cNvSpPr txBox="1">
+            <a:spLocks/>
+          </p:cNvSpPr>
+          <p:nvPr/>
+        </p:nvSpPr>
+        <p:spPr>
+          <a:xfrm>
+            <a:off x="0" y="4858718"/>
+            <a:ext cx="9144000" cy="284781"/>
+          </a:xfrm>
+          <a:prstGeom prst="rect">
+            <a:avLst/>
+          </a:prstGeom>
+          <a:solidFill>
+            <a:schemeClr val="tx1"/>
+          </a:solidFill>
+        </p:spPr>
+        <p:txBody>
+          <a:bodyPr vert="horz" lIns="91440" tIns="45720" rIns="91440" bIns="45720" rtlCol="0" anchor="ctr">
+            <a:normAutofit/>
+          </a:bodyPr>
+          <a:lstStyle>
+            <a:lvl1pPr algn="ctr" defTabSz="342900" rtl="0" eaLnBrk="1" latinLnBrk="0" hangingPunct="1">
+              <a:spcBef>
+                <a:spcPct val="0"/>
+              </a:spcBef>
+              <a:buNone/>
+              <a:defRPr sz="3300" kern="1200">
+                <a:solidFill>
+                  <a:schemeClr val="tx1"/>
+                </a:solidFill>
+                <a:latin typeface="+mj-lt"/>
+                <a:ea typeface="+mj-ea"/>
+                <a:cs typeface="+mj-cs"/>
+              </a:defRPr>
+            </a:lvl1pPr>
+          </a:lstStyle>
+          <a:p>
+            <a:r>
+              <a:rPr lang="en-IN" sz="1200" dirty="0">
+                <a:solidFill>
+                  <a:schemeClr val="bg1"/>
+                </a:solidFill>
+              </a:rPr>
+              <a:t>(©) tinitiate.com</a:t>
+            </a:r>
+            <a:endParaRPr lang="en-IN" sz="1000" dirty="0">
+              <a:solidFill>
+                <a:schemeClr val="bg1"/>
+              </a:solidFill>
             </a:endParaRPr>
           </a:p>
         </p:txBody>
@@ -12719,37 +15319,6 @@
       </p:grpSpPr>
       <p:sp>
         <p:nvSpPr>
-          <p:cNvPr id="2" name="Title 1">
-            <a:extLst>
-              <a:ext uri="{FF2B5EF4-FFF2-40B4-BE49-F238E27FC236}">
-                <a16:creationId xmlns:a16="http://schemas.microsoft.com/office/drawing/2014/main" id="{43B0F13F-3C2E-B563-484B-EB89BE03BCAF}"/>
-              </a:ext>
-            </a:extLst>
-          </p:cNvPr>
-          <p:cNvSpPr>
-            <a:spLocks noGrp="1"/>
-          </p:cNvSpPr>
-          <p:nvPr>
-            <p:ph type="title"/>
-          </p:nvPr>
-        </p:nvSpPr>
-        <p:spPr/>
-        <p:txBody>
-          <a:bodyPr/>
-          <a:lstStyle/>
-          <a:p>
-            <a:pPr marL="0" lvl="0" indent="0">
-              <a:buNone/>
-            </a:pPr>
-            <a:r>
-              <a:rPr dirty="0"/>
-              <a:t>ROW_NUMBER():</a:t>
-            </a:r>
-          </a:p>
-        </p:txBody>
-      </p:sp>
-      <p:sp>
-        <p:nvSpPr>
           <p:cNvPr id="3" name="Content Placeholder 2">
             <a:extLst>
               <a:ext uri="{FF2B5EF4-FFF2-40B4-BE49-F238E27FC236}">
@@ -12764,7 +15333,12 @@
             <p:ph idx="1"/>
           </p:nvPr>
         </p:nvSpPr>
-        <p:spPr/>
+        <p:spPr>
+          <a:xfrm>
+            <a:off x="457200" y="874514"/>
+            <a:ext cx="8229600" cy="3394472"/>
+          </a:xfrm>
+        </p:spPr>
         <p:txBody>
           <a:bodyPr>
             <a:noAutofit/>
@@ -13379,6 +15953,158 @@
             </a:r>
             <a:endParaRPr sz="1400" dirty="0">
               <a:latin typeface="Courier"/>
+            </a:endParaRPr>
+          </a:p>
+        </p:txBody>
+      </p:sp>
+      <p:sp>
+        <p:nvSpPr>
+          <p:cNvPr id="4" name="Title 1">
+            <a:extLst>
+              <a:ext uri="{FF2B5EF4-FFF2-40B4-BE49-F238E27FC236}">
+                <a16:creationId xmlns:a16="http://schemas.microsoft.com/office/drawing/2014/main" id="{97FA84B7-60EF-8B60-429D-78535CAD7E33}"/>
+              </a:ext>
+            </a:extLst>
+          </p:cNvPr>
+          <p:cNvSpPr txBox="1">
+            <a:spLocks/>
+          </p:cNvSpPr>
+          <p:nvPr/>
+        </p:nvSpPr>
+        <p:spPr>
+          <a:xfrm>
+            <a:off x="0" y="1"/>
+            <a:ext cx="9144000" cy="548876"/>
+          </a:xfrm>
+          <a:prstGeom prst="rect">
+            <a:avLst/>
+          </a:prstGeom>
+          <a:solidFill>
+            <a:schemeClr val="tx1"/>
+          </a:solidFill>
+        </p:spPr>
+        <p:txBody>
+          <a:bodyPr vert="horz" lIns="91440" tIns="45720" rIns="91440" bIns="45720" rtlCol="0" anchor="ctr">
+            <a:normAutofit/>
+          </a:bodyPr>
+          <a:lstStyle>
+            <a:lvl1pPr algn="ctr" defTabSz="342900" rtl="0" eaLnBrk="1" latinLnBrk="0" hangingPunct="1">
+              <a:spcBef>
+                <a:spcPct val="0"/>
+              </a:spcBef>
+              <a:buNone/>
+              <a:defRPr sz="3300" kern="1200">
+                <a:solidFill>
+                  <a:schemeClr val="tx1"/>
+                </a:solidFill>
+                <a:latin typeface="+mj-lt"/>
+                <a:ea typeface="+mj-ea"/>
+                <a:cs typeface="+mj-cs"/>
+              </a:defRPr>
+            </a:lvl1pPr>
+          </a:lstStyle>
+          <a:p>
+            <a:pPr algn="l"/>
+            <a:r>
+              <a:rPr lang="en-IN" sz="2800" dirty="0">
+                <a:solidFill>
+                  <a:schemeClr val="bg1"/>
+                </a:solidFill>
+              </a:rPr>
+              <a:t>ROW_NUMBER():</a:t>
+            </a:r>
+          </a:p>
+        </p:txBody>
+      </p:sp>
+      <p:pic>
+        <p:nvPicPr>
+          <p:cNvPr id="5" name="Picture 4">
+            <a:extLst>
+              <a:ext uri="{FF2B5EF4-FFF2-40B4-BE49-F238E27FC236}">
+                <a16:creationId xmlns:a16="http://schemas.microsoft.com/office/drawing/2014/main" id="{D90B508A-48D7-5EF9-09AF-3E0294AF662C}"/>
+              </a:ext>
+            </a:extLst>
+          </p:cNvPr>
+          <p:cNvPicPr>
+            <a:picLocks noChangeAspect="1"/>
+          </p:cNvPicPr>
+          <p:nvPr/>
+        </p:nvPicPr>
+        <p:blipFill>
+          <a:blip r:embed="rId2"/>
+          <a:stretch>
+            <a:fillRect/>
+          </a:stretch>
+        </p:blipFill>
+        <p:spPr>
+          <a:xfrm>
+            <a:off x="5763675" y="51792"/>
+            <a:ext cx="3380325" cy="445294"/>
+          </a:xfrm>
+          <a:prstGeom prst="rect">
+            <a:avLst/>
+          </a:prstGeom>
+        </p:spPr>
+      </p:pic>
+      <p:sp>
+        <p:nvSpPr>
+          <p:cNvPr id="6" name="Title 1">
+            <a:extLst>
+              <a:ext uri="{FF2B5EF4-FFF2-40B4-BE49-F238E27FC236}">
+                <a16:creationId xmlns:a16="http://schemas.microsoft.com/office/drawing/2014/main" id="{B85826D9-7219-4D54-17F8-63117688F2E6}"/>
+              </a:ext>
+            </a:extLst>
+          </p:cNvPr>
+          <p:cNvSpPr txBox="1">
+            <a:spLocks/>
+          </p:cNvSpPr>
+          <p:nvPr/>
+        </p:nvSpPr>
+        <p:spPr>
+          <a:xfrm>
+            <a:off x="0" y="4858718"/>
+            <a:ext cx="9144000" cy="284781"/>
+          </a:xfrm>
+          <a:prstGeom prst="rect">
+            <a:avLst/>
+          </a:prstGeom>
+          <a:solidFill>
+            <a:schemeClr val="tx1"/>
+          </a:solidFill>
+        </p:spPr>
+        <p:txBody>
+          <a:bodyPr vert="horz" lIns="91440" tIns="45720" rIns="91440" bIns="45720" rtlCol="0" anchor="ctr">
+            <a:normAutofit/>
+          </a:bodyPr>
+          <a:lstStyle>
+            <a:lvl1pPr algn="ctr" defTabSz="342900" rtl="0" eaLnBrk="1" latinLnBrk="0" hangingPunct="1">
+              <a:spcBef>
+                <a:spcPct val="0"/>
+              </a:spcBef>
+              <a:buNone/>
+              <a:defRPr sz="3300" kern="1200">
+                <a:solidFill>
+                  <a:schemeClr val="tx1"/>
+                </a:solidFill>
+                <a:latin typeface="+mj-lt"/>
+                <a:ea typeface="+mj-ea"/>
+                <a:cs typeface="+mj-cs"/>
+              </a:defRPr>
+            </a:lvl1pPr>
+          </a:lstStyle>
+          <a:p>
+            <a:r>
+              <a:rPr lang="en-IN" sz="1200" dirty="0">
+                <a:solidFill>
+                  <a:schemeClr val="bg1"/>
+                </a:solidFill>
+              </a:rPr>
+              <a:t>(©) tinitiate.com</a:t>
+            </a:r>
+            <a:endParaRPr lang="en-IN" sz="1000" dirty="0">
+              <a:solidFill>
+                <a:schemeClr val="bg1"/>
+              </a:solidFill>
             </a:endParaRPr>
           </a:p>
         </p:txBody>
@@ -13415,30 +16141,6 @@
       </p:grpSpPr>
       <p:sp>
         <p:nvSpPr>
-          <p:cNvPr id="2" name="Title 1"/>
-          <p:cNvSpPr>
-            <a:spLocks noGrp="1"/>
-          </p:cNvSpPr>
-          <p:nvPr>
-            <p:ph type="title"/>
-          </p:nvPr>
-        </p:nvSpPr>
-        <p:spPr/>
-        <p:txBody>
-          <a:bodyPr/>
-          <a:lstStyle/>
-          <a:p>
-            <a:pPr marL="0" lvl="0" indent="0">
-              <a:buNone/>
-            </a:pPr>
-            <a:r>
-              <a:t>RANK():</a:t>
-            </a:r>
-          </a:p>
-        </p:txBody>
-      </p:sp>
-      <p:sp>
-        <p:nvSpPr>
           <p:cNvPr id="3" name="Content Placeholder 2"/>
           <p:cNvSpPr>
             <a:spLocks noGrp="1"/>
@@ -13447,7 +16149,12 @@
             <p:ph idx="1"/>
           </p:nvPr>
         </p:nvSpPr>
-        <p:spPr/>
+        <p:spPr>
+          <a:xfrm>
+            <a:off x="457200" y="873374"/>
+            <a:ext cx="8229600" cy="3394472"/>
+          </a:xfrm>
+        </p:spPr>
         <p:txBody>
           <a:bodyPr>
             <a:noAutofit/>
@@ -13929,6 +16636,158 @@
               </a:rPr>
               <a:t>;</a:t>
             </a:r>
+          </a:p>
+        </p:txBody>
+      </p:sp>
+      <p:sp>
+        <p:nvSpPr>
+          <p:cNvPr id="4" name="Title 1">
+            <a:extLst>
+              <a:ext uri="{FF2B5EF4-FFF2-40B4-BE49-F238E27FC236}">
+                <a16:creationId xmlns:a16="http://schemas.microsoft.com/office/drawing/2014/main" id="{BF9D1818-44CA-3950-C65B-934DF251688F}"/>
+              </a:ext>
+            </a:extLst>
+          </p:cNvPr>
+          <p:cNvSpPr txBox="1">
+            <a:spLocks/>
+          </p:cNvSpPr>
+          <p:nvPr/>
+        </p:nvSpPr>
+        <p:spPr>
+          <a:xfrm>
+            <a:off x="0" y="1"/>
+            <a:ext cx="9144000" cy="548876"/>
+          </a:xfrm>
+          <a:prstGeom prst="rect">
+            <a:avLst/>
+          </a:prstGeom>
+          <a:solidFill>
+            <a:schemeClr val="tx1"/>
+          </a:solidFill>
+        </p:spPr>
+        <p:txBody>
+          <a:bodyPr vert="horz" lIns="91440" tIns="45720" rIns="91440" bIns="45720" rtlCol="0" anchor="ctr">
+            <a:normAutofit/>
+          </a:bodyPr>
+          <a:lstStyle>
+            <a:lvl1pPr algn="ctr" defTabSz="342900" rtl="0" eaLnBrk="1" latinLnBrk="0" hangingPunct="1">
+              <a:spcBef>
+                <a:spcPct val="0"/>
+              </a:spcBef>
+              <a:buNone/>
+              <a:defRPr sz="3300" kern="1200">
+                <a:solidFill>
+                  <a:schemeClr val="tx1"/>
+                </a:solidFill>
+                <a:latin typeface="+mj-lt"/>
+                <a:ea typeface="+mj-ea"/>
+                <a:cs typeface="+mj-cs"/>
+              </a:defRPr>
+            </a:lvl1pPr>
+          </a:lstStyle>
+          <a:p>
+            <a:pPr algn="l"/>
+            <a:r>
+              <a:rPr lang="en-IN" sz="2800" dirty="0">
+                <a:solidFill>
+                  <a:schemeClr val="bg1"/>
+                </a:solidFill>
+              </a:rPr>
+              <a:t>RANK():</a:t>
+            </a:r>
+          </a:p>
+        </p:txBody>
+      </p:sp>
+      <p:pic>
+        <p:nvPicPr>
+          <p:cNvPr id="5" name="Picture 4">
+            <a:extLst>
+              <a:ext uri="{FF2B5EF4-FFF2-40B4-BE49-F238E27FC236}">
+                <a16:creationId xmlns:a16="http://schemas.microsoft.com/office/drawing/2014/main" id="{C3C82E30-34E2-07CA-FC79-0E6AB872E86E}"/>
+              </a:ext>
+            </a:extLst>
+          </p:cNvPr>
+          <p:cNvPicPr>
+            <a:picLocks noChangeAspect="1"/>
+          </p:cNvPicPr>
+          <p:nvPr/>
+        </p:nvPicPr>
+        <p:blipFill>
+          <a:blip r:embed="rId2"/>
+          <a:stretch>
+            <a:fillRect/>
+          </a:stretch>
+        </p:blipFill>
+        <p:spPr>
+          <a:xfrm>
+            <a:off x="5763675" y="51792"/>
+            <a:ext cx="3380325" cy="445294"/>
+          </a:xfrm>
+          <a:prstGeom prst="rect">
+            <a:avLst/>
+          </a:prstGeom>
+        </p:spPr>
+      </p:pic>
+      <p:sp>
+        <p:nvSpPr>
+          <p:cNvPr id="6" name="Title 1">
+            <a:extLst>
+              <a:ext uri="{FF2B5EF4-FFF2-40B4-BE49-F238E27FC236}">
+                <a16:creationId xmlns:a16="http://schemas.microsoft.com/office/drawing/2014/main" id="{93100222-BE7A-8A24-62E4-BAB71EE865B2}"/>
+              </a:ext>
+            </a:extLst>
+          </p:cNvPr>
+          <p:cNvSpPr txBox="1">
+            <a:spLocks/>
+          </p:cNvSpPr>
+          <p:nvPr/>
+        </p:nvSpPr>
+        <p:spPr>
+          <a:xfrm>
+            <a:off x="0" y="4858718"/>
+            <a:ext cx="9144000" cy="284781"/>
+          </a:xfrm>
+          <a:prstGeom prst="rect">
+            <a:avLst/>
+          </a:prstGeom>
+          <a:solidFill>
+            <a:schemeClr val="tx1"/>
+          </a:solidFill>
+        </p:spPr>
+        <p:txBody>
+          <a:bodyPr vert="horz" lIns="91440" tIns="45720" rIns="91440" bIns="45720" rtlCol="0" anchor="ctr">
+            <a:normAutofit/>
+          </a:bodyPr>
+          <a:lstStyle>
+            <a:lvl1pPr algn="ctr" defTabSz="342900" rtl="0" eaLnBrk="1" latinLnBrk="0" hangingPunct="1">
+              <a:spcBef>
+                <a:spcPct val="0"/>
+              </a:spcBef>
+              <a:buNone/>
+              <a:defRPr sz="3300" kern="1200">
+                <a:solidFill>
+                  <a:schemeClr val="tx1"/>
+                </a:solidFill>
+                <a:latin typeface="+mj-lt"/>
+                <a:ea typeface="+mj-ea"/>
+                <a:cs typeface="+mj-cs"/>
+              </a:defRPr>
+            </a:lvl1pPr>
+          </a:lstStyle>
+          <a:p>
+            <a:r>
+              <a:rPr lang="en-IN" sz="1200" dirty="0">
+                <a:solidFill>
+                  <a:schemeClr val="bg1"/>
+                </a:solidFill>
+              </a:rPr>
+              <a:t>(©) tinitiate.com</a:t>
+            </a:r>
+            <a:endParaRPr lang="en-IN" sz="1000" dirty="0">
+              <a:solidFill>
+                <a:schemeClr val="bg1"/>
+              </a:solidFill>
+            </a:endParaRPr>
           </a:p>
         </p:txBody>
       </p:sp>
@@ -13943,9 +16802,9 @@
 <file path=ppt/theme/theme1.xml><?xml version="1.0" encoding="utf-8"?>
 <a:theme xmlns:a="http://schemas.openxmlformats.org/drawingml/2006/main" name="Office Theme">
   <a:themeElements>
-    <a:clrScheme name="Office">
+    <a:clrScheme name="Custom 17">
       <a:dk1>
-        <a:sysClr val="windowText" lastClr="000000"/>
+        <a:srgbClr val="1F497D"/>
       </a:dk1>
       <a:lt1>
         <a:sysClr val="window" lastClr="FFFFFF"/>
